--- a/img/img-by-PPT.pptx
+++ b/img/img-by-PPT.pptx
@@ -3324,199 +3324,6 @@
       </p:grpSpPr>
       <p:sp>
         <p:nvSpPr>
-          <p:cNvPr id="18" name="Rectangle 17">
-            <a:extLst>
-              <a:ext uri="{FF2B5EF4-FFF2-40B4-BE49-F238E27FC236}">
-                <a16:creationId xmlns:a16="http://schemas.microsoft.com/office/drawing/2014/main" id="{CDD3C670-AC73-9440-BEA3-04376BF22167}"/>
-              </a:ext>
-            </a:extLst>
-          </p:cNvPr>
-          <p:cNvSpPr/>
-          <p:nvPr/>
-        </p:nvSpPr>
-        <p:spPr>
-          <a:xfrm>
-            <a:off x="4451981" y="1054017"/>
-            <a:ext cx="3048570" cy="1479117"/>
-          </a:xfrm>
-          <a:prstGeom prst="rect">
-            <a:avLst/>
-          </a:prstGeom>
-          <a:noFill/>
-          <a:ln>
-            <a:solidFill>
-              <a:schemeClr val="tx1"/>
-            </a:solidFill>
-          </a:ln>
-        </p:spPr>
-        <p:style>
-          <a:lnRef idx="2">
-            <a:schemeClr val="accent1">
-              <a:shade val="50000"/>
-            </a:schemeClr>
-          </a:lnRef>
-          <a:fillRef idx="1">
-            <a:schemeClr val="accent1"/>
-          </a:fillRef>
-          <a:effectRef idx="0">
-            <a:schemeClr val="accent1"/>
-          </a:effectRef>
-          <a:fontRef idx="minor">
-            <a:schemeClr val="lt1"/>
-          </a:fontRef>
-        </p:style>
-        <p:txBody>
-          <a:bodyPr rtlCol="0" anchor="ctr"/>
-          <a:lstStyle/>
-          <a:p>
-            <a:pPr algn="ctr"/>
-            <a:r>
-              <a:rPr lang="en-US" sz="2400" dirty="0">
-                <a:solidFill>
-                  <a:schemeClr val="tx1"/>
-                </a:solidFill>
-              </a:rPr>
-              <a:t>Spark SQL</a:t>
-            </a:r>
-          </a:p>
-          <a:p>
-            <a:pPr algn="ctr"/>
-            <a:endParaRPr lang="en-US" dirty="0">
-              <a:solidFill>
-                <a:schemeClr val="tx1"/>
-              </a:solidFill>
-            </a:endParaRPr>
-          </a:p>
-          <a:p>
-            <a:pPr algn="ctr"/>
-            <a:endParaRPr lang="en-US" dirty="0">
-              <a:solidFill>
-                <a:schemeClr val="tx1"/>
-              </a:solidFill>
-            </a:endParaRPr>
-          </a:p>
-        </p:txBody>
-      </p:sp>
-      <p:sp>
-        <p:nvSpPr>
-          <p:cNvPr id="19" name="Rectangle 18">
-            <a:extLst>
-              <a:ext uri="{FF2B5EF4-FFF2-40B4-BE49-F238E27FC236}">
-                <a16:creationId xmlns:a16="http://schemas.microsoft.com/office/drawing/2014/main" id="{6D6DC8A0-32DB-FC40-9600-570B4602E5CC}"/>
-              </a:ext>
-            </a:extLst>
-          </p:cNvPr>
-          <p:cNvSpPr/>
-          <p:nvPr/>
-        </p:nvSpPr>
-        <p:spPr>
-          <a:xfrm>
-            <a:off x="5185719" y="2895173"/>
-            <a:ext cx="1548714" cy="700641"/>
-          </a:xfrm>
-          <a:prstGeom prst="rect">
-            <a:avLst/>
-          </a:prstGeom>
-          <a:noFill/>
-          <a:ln>
-            <a:solidFill>
-              <a:schemeClr val="tx1"/>
-            </a:solidFill>
-          </a:ln>
-        </p:spPr>
-        <p:style>
-          <a:lnRef idx="2">
-            <a:schemeClr val="accent1">
-              <a:shade val="50000"/>
-            </a:schemeClr>
-          </a:lnRef>
-          <a:fillRef idx="1">
-            <a:schemeClr val="accent1"/>
-          </a:fillRef>
-          <a:effectRef idx="0">
-            <a:schemeClr val="accent1"/>
-          </a:effectRef>
-          <a:fontRef idx="minor">
-            <a:schemeClr val="lt1"/>
-          </a:fontRef>
-        </p:style>
-        <p:txBody>
-          <a:bodyPr rtlCol="0" anchor="ctr"/>
-          <a:lstStyle/>
-          <a:p>
-            <a:pPr algn="ctr"/>
-            <a:r>
-              <a:rPr lang="en-US" sz="2400" dirty="0">
-                <a:solidFill>
-                  <a:schemeClr val="tx1"/>
-                </a:solidFill>
-              </a:rPr>
-              <a:t>CW-Cache</a:t>
-            </a:r>
-          </a:p>
-        </p:txBody>
-      </p:sp>
-      <p:sp>
-        <p:nvSpPr>
-          <p:cNvPr id="20" name="Rectangle 19">
-            <a:extLst>
-              <a:ext uri="{FF2B5EF4-FFF2-40B4-BE49-F238E27FC236}">
-                <a16:creationId xmlns:a16="http://schemas.microsoft.com/office/drawing/2014/main" id="{95DF8C01-63B2-C143-BA98-A39FF0915511}"/>
-              </a:ext>
-            </a:extLst>
-          </p:cNvPr>
-          <p:cNvSpPr/>
-          <p:nvPr/>
-        </p:nvSpPr>
-        <p:spPr>
-          <a:xfrm>
-            <a:off x="4451981" y="3916237"/>
-            <a:ext cx="3048570" cy="700641"/>
-          </a:xfrm>
-          <a:prstGeom prst="rect">
-            <a:avLst/>
-          </a:prstGeom>
-          <a:noFill/>
-          <a:ln>
-            <a:solidFill>
-              <a:schemeClr val="tx1"/>
-            </a:solidFill>
-          </a:ln>
-        </p:spPr>
-        <p:style>
-          <a:lnRef idx="2">
-            <a:schemeClr val="accent1">
-              <a:shade val="50000"/>
-            </a:schemeClr>
-          </a:lnRef>
-          <a:fillRef idx="1">
-            <a:schemeClr val="accent1"/>
-          </a:fillRef>
-          <a:effectRef idx="0">
-            <a:schemeClr val="accent1"/>
-          </a:effectRef>
-          <a:fontRef idx="minor">
-            <a:schemeClr val="lt1"/>
-          </a:fontRef>
-        </p:style>
-        <p:txBody>
-          <a:bodyPr rtlCol="0" anchor="ctr"/>
-          <a:lstStyle/>
-          <a:p>
-            <a:pPr algn="ctr"/>
-            <a:r>
-              <a:rPr lang="en-US" sz="2400" dirty="0">
-                <a:solidFill>
-                  <a:schemeClr val="tx1"/>
-                </a:solidFill>
-              </a:rPr>
-              <a:t>HDFS</a:t>
-            </a:r>
-          </a:p>
-        </p:txBody>
-      </p:sp>
-      <p:sp>
-        <p:nvSpPr>
           <p:cNvPr id="21" name="Rectangle 20">
             <a:extLst>
               <a:ext uri="{FF2B5EF4-FFF2-40B4-BE49-F238E27FC236}">
@@ -3633,367 +3440,581 @@
           </a:p>
         </p:txBody>
       </p:sp>
-      <p:sp>
-        <p:nvSpPr>
-          <p:cNvPr id="23" name="Rectangle 22">
-            <a:extLst>
-              <a:ext uri="{FF2B5EF4-FFF2-40B4-BE49-F238E27FC236}">
-                <a16:creationId xmlns:a16="http://schemas.microsoft.com/office/drawing/2014/main" id="{8530F87C-A61C-B744-BCDC-996452C5B89F}"/>
-              </a:ext>
-            </a:extLst>
-          </p:cNvPr>
-          <p:cNvSpPr/>
+      <p:grpSp>
+        <p:nvGrpSpPr>
+          <p:cNvPr id="45" name="Group 44">
+            <a:extLst>
+              <a:ext uri="{FF2B5EF4-FFF2-40B4-BE49-F238E27FC236}">
+                <a16:creationId xmlns:a16="http://schemas.microsoft.com/office/drawing/2014/main" id="{86B38F47-2AF9-B240-9382-7586F95F9654}"/>
+              </a:ext>
+            </a:extLst>
+          </p:cNvPr>
+          <p:cNvGrpSpPr/>
           <p:nvPr/>
-        </p:nvSpPr>
-        <p:spPr>
+        </p:nvGrpSpPr>
+        <p:grpSpPr>
           <a:xfrm>
-            <a:off x="5951837" y="1935891"/>
-            <a:ext cx="1548714" cy="597243"/>
+            <a:off x="3327516" y="1054018"/>
+            <a:ext cx="3048570" cy="3562861"/>
+            <a:chOff x="4451981" y="1054017"/>
+            <a:chExt cx="3048570" cy="3562861"/>
           </a:xfrm>
-          <a:prstGeom prst="rect">
-            <a:avLst/>
-          </a:prstGeom>
-          <a:noFill/>
-          <a:ln>
-            <a:solidFill>
-              <a:schemeClr val="tx1"/>
-            </a:solidFill>
-          </a:ln>
-        </p:spPr>
-        <p:style>
-          <a:lnRef idx="2">
-            <a:schemeClr val="accent1">
-              <a:shade val="50000"/>
-            </a:schemeClr>
-          </a:lnRef>
-          <a:fillRef idx="1">
-            <a:schemeClr val="accent1"/>
-          </a:fillRef>
-          <a:effectRef idx="0">
-            <a:schemeClr val="accent1"/>
-          </a:effectRef>
-          <a:fontRef idx="minor">
-            <a:schemeClr val="lt1"/>
-          </a:fontRef>
-        </p:style>
-        <p:txBody>
-          <a:bodyPr rtlCol="0" anchor="ctr"/>
-          <a:lstStyle/>
-          <a:p>
-            <a:pPr algn="ctr"/>
-            <a:r>
-              <a:rPr lang="en-US" dirty="0">
+        </p:grpSpPr>
+        <p:sp>
+          <p:nvSpPr>
+            <p:cNvPr id="18" name="Rectangle 17">
+              <a:extLst>
+                <a:ext uri="{FF2B5EF4-FFF2-40B4-BE49-F238E27FC236}">
+                  <a16:creationId xmlns:a16="http://schemas.microsoft.com/office/drawing/2014/main" id="{CDD3C670-AC73-9440-BEA3-04376BF22167}"/>
+                </a:ext>
+              </a:extLst>
+            </p:cNvPr>
+            <p:cNvSpPr/>
+            <p:nvPr/>
+          </p:nvSpPr>
+          <p:spPr>
+            <a:xfrm>
+              <a:off x="4451981" y="1054017"/>
+              <a:ext cx="3048570" cy="1479117"/>
+            </a:xfrm>
+            <a:prstGeom prst="rect">
+              <a:avLst/>
+            </a:prstGeom>
+            <a:noFill/>
+            <a:ln>
+              <a:solidFill>
+                <a:schemeClr val="tx1"/>
+              </a:solidFill>
+            </a:ln>
+          </p:spPr>
+          <p:style>
+            <a:lnRef idx="2">
+              <a:schemeClr val="accent1">
+                <a:shade val="50000"/>
+              </a:schemeClr>
+            </a:lnRef>
+            <a:fillRef idx="1">
+              <a:schemeClr val="accent1"/>
+            </a:fillRef>
+            <a:effectRef idx="0">
+              <a:schemeClr val="accent1"/>
+            </a:effectRef>
+            <a:fontRef idx="minor">
+              <a:schemeClr val="lt1"/>
+            </a:fontRef>
+          </p:style>
+          <p:txBody>
+            <a:bodyPr rtlCol="0" anchor="ctr"/>
+            <a:lstStyle/>
+            <a:p>
+              <a:pPr algn="ctr"/>
+              <a:r>
+                <a:rPr lang="en-US" sz="2400" dirty="0">
+                  <a:solidFill>
+                    <a:schemeClr val="tx1"/>
+                  </a:solidFill>
+                </a:rPr>
+                <a:t>Spark SQL</a:t>
+              </a:r>
+            </a:p>
+            <a:p>
+              <a:pPr algn="ctr"/>
+              <a:endParaRPr lang="en-US" dirty="0">
                 <a:solidFill>
                   <a:schemeClr val="tx1"/>
                 </a:solidFill>
-              </a:rPr>
-              <a:t>Reporter</a:t>
-            </a:r>
-          </a:p>
-        </p:txBody>
-      </p:sp>
-      <p:cxnSp>
-        <p:nvCxnSpPr>
-          <p:cNvPr id="25" name="Straight Arrow Connector 24">
-            <a:extLst>
-              <a:ext uri="{FF2B5EF4-FFF2-40B4-BE49-F238E27FC236}">
-                <a16:creationId xmlns:a16="http://schemas.microsoft.com/office/drawing/2014/main" id="{49F01B61-CD01-2948-B9EC-AA3CF8BACA5C}"/>
-              </a:ext>
-            </a:extLst>
-          </p:cNvPr>
-          <p:cNvCxnSpPr>
-            <a:cxnSpLocks/>
-          </p:cNvCxnSpPr>
-          <p:nvPr/>
-        </p:nvCxnSpPr>
-        <p:spPr>
-          <a:xfrm>
-            <a:off x="5523475" y="2533134"/>
-            <a:ext cx="0" cy="362039"/>
-          </a:xfrm>
-          <a:prstGeom prst="straightConnector1">
-            <a:avLst/>
-          </a:prstGeom>
-          <a:ln>
-            <a:solidFill>
+              </a:endParaRPr>
+            </a:p>
+            <a:p>
+              <a:pPr algn="ctr"/>
+              <a:endParaRPr lang="en-US" dirty="0">
+                <a:solidFill>
+                  <a:schemeClr val="tx1"/>
+                </a:solidFill>
+              </a:endParaRPr>
+            </a:p>
+          </p:txBody>
+        </p:sp>
+        <p:sp>
+          <p:nvSpPr>
+            <p:cNvPr id="19" name="Rectangle 18">
+              <a:extLst>
+                <a:ext uri="{FF2B5EF4-FFF2-40B4-BE49-F238E27FC236}">
+                  <a16:creationId xmlns:a16="http://schemas.microsoft.com/office/drawing/2014/main" id="{6D6DC8A0-32DB-FC40-9600-570B4602E5CC}"/>
+                </a:ext>
+              </a:extLst>
+            </p:cNvPr>
+            <p:cNvSpPr/>
+            <p:nvPr/>
+          </p:nvSpPr>
+          <p:spPr>
+            <a:xfrm>
+              <a:off x="5185719" y="2895173"/>
+              <a:ext cx="1548714" cy="700641"/>
+            </a:xfrm>
+            <a:prstGeom prst="rect">
+              <a:avLst/>
+            </a:prstGeom>
+            <a:noFill/>
+            <a:ln>
+              <a:solidFill>
+                <a:schemeClr val="tx1"/>
+              </a:solidFill>
+            </a:ln>
+          </p:spPr>
+          <p:style>
+            <a:lnRef idx="2">
+              <a:schemeClr val="accent1">
+                <a:shade val="50000"/>
+              </a:schemeClr>
+            </a:lnRef>
+            <a:fillRef idx="1">
+              <a:schemeClr val="accent1"/>
+            </a:fillRef>
+            <a:effectRef idx="0">
+              <a:schemeClr val="accent1"/>
+            </a:effectRef>
+            <a:fontRef idx="minor">
+              <a:schemeClr val="lt1"/>
+            </a:fontRef>
+          </p:style>
+          <p:txBody>
+            <a:bodyPr rtlCol="0" anchor="ctr"/>
+            <a:lstStyle/>
+            <a:p>
+              <a:pPr algn="ctr"/>
+              <a:r>
+                <a:rPr lang="en-US" sz="2400" dirty="0">
+                  <a:solidFill>
+                    <a:schemeClr val="tx1"/>
+                  </a:solidFill>
+                </a:rPr>
+                <a:t>CW-Cache</a:t>
+              </a:r>
+            </a:p>
+          </p:txBody>
+        </p:sp>
+        <p:sp>
+          <p:nvSpPr>
+            <p:cNvPr id="20" name="Rectangle 19">
+              <a:extLst>
+                <a:ext uri="{FF2B5EF4-FFF2-40B4-BE49-F238E27FC236}">
+                  <a16:creationId xmlns:a16="http://schemas.microsoft.com/office/drawing/2014/main" id="{95DF8C01-63B2-C143-BA98-A39FF0915511}"/>
+                </a:ext>
+              </a:extLst>
+            </p:cNvPr>
+            <p:cNvSpPr/>
+            <p:nvPr/>
+          </p:nvSpPr>
+          <p:spPr>
+            <a:xfrm>
+              <a:off x="4451981" y="3916237"/>
+              <a:ext cx="3048570" cy="700641"/>
+            </a:xfrm>
+            <a:prstGeom prst="rect">
+              <a:avLst/>
+            </a:prstGeom>
+            <a:noFill/>
+            <a:ln>
+              <a:solidFill>
+                <a:schemeClr val="tx1"/>
+              </a:solidFill>
+            </a:ln>
+          </p:spPr>
+          <p:style>
+            <a:lnRef idx="2">
+              <a:schemeClr val="accent1">
+                <a:shade val="50000"/>
+              </a:schemeClr>
+            </a:lnRef>
+            <a:fillRef idx="1">
+              <a:schemeClr val="accent1"/>
+            </a:fillRef>
+            <a:effectRef idx="0">
+              <a:schemeClr val="accent1"/>
+            </a:effectRef>
+            <a:fontRef idx="minor">
+              <a:schemeClr val="lt1"/>
+            </a:fontRef>
+          </p:style>
+          <p:txBody>
+            <a:bodyPr rtlCol="0" anchor="ctr"/>
+            <a:lstStyle/>
+            <a:p>
+              <a:pPr algn="ctr"/>
+              <a:r>
+                <a:rPr lang="en-US" sz="2400" dirty="0">
+                  <a:solidFill>
+                    <a:schemeClr val="tx1"/>
+                  </a:solidFill>
+                </a:rPr>
+                <a:t>HDFS</a:t>
+              </a:r>
+            </a:p>
+          </p:txBody>
+        </p:sp>
+        <p:sp>
+          <p:nvSpPr>
+            <p:cNvPr id="23" name="Rectangle 22">
+              <a:extLst>
+                <a:ext uri="{FF2B5EF4-FFF2-40B4-BE49-F238E27FC236}">
+                  <a16:creationId xmlns:a16="http://schemas.microsoft.com/office/drawing/2014/main" id="{8530F87C-A61C-B744-BCDC-996452C5B89F}"/>
+                </a:ext>
+              </a:extLst>
+            </p:cNvPr>
+            <p:cNvSpPr/>
+            <p:nvPr/>
+          </p:nvSpPr>
+          <p:spPr>
+            <a:xfrm>
+              <a:off x="5951837" y="1935891"/>
+              <a:ext cx="1548714" cy="597243"/>
+            </a:xfrm>
+            <a:prstGeom prst="rect">
+              <a:avLst/>
+            </a:prstGeom>
+            <a:noFill/>
+            <a:ln>
+              <a:solidFill>
+                <a:schemeClr val="tx1"/>
+              </a:solidFill>
+            </a:ln>
+          </p:spPr>
+          <p:style>
+            <a:lnRef idx="2">
+              <a:schemeClr val="accent1">
+                <a:shade val="50000"/>
+              </a:schemeClr>
+            </a:lnRef>
+            <a:fillRef idx="1">
+              <a:schemeClr val="accent1"/>
+            </a:fillRef>
+            <a:effectRef idx="0">
+              <a:schemeClr val="accent1"/>
+            </a:effectRef>
+            <a:fontRef idx="minor">
+              <a:schemeClr val="lt1"/>
+            </a:fontRef>
+          </p:style>
+          <p:txBody>
+            <a:bodyPr rtlCol="0" anchor="ctr"/>
+            <a:lstStyle/>
+            <a:p>
+              <a:pPr algn="ctr"/>
+              <a:r>
+                <a:rPr lang="en-US" dirty="0">
+                  <a:solidFill>
+                    <a:schemeClr val="tx1"/>
+                  </a:solidFill>
+                </a:rPr>
+                <a:t>Reporter</a:t>
+              </a:r>
+            </a:p>
+          </p:txBody>
+        </p:sp>
+        <p:cxnSp>
+          <p:nvCxnSpPr>
+            <p:cNvPr id="25" name="Straight Arrow Connector 24">
+              <a:extLst>
+                <a:ext uri="{FF2B5EF4-FFF2-40B4-BE49-F238E27FC236}">
+                  <a16:creationId xmlns:a16="http://schemas.microsoft.com/office/drawing/2014/main" id="{49F01B61-CD01-2948-B9EC-AA3CF8BACA5C}"/>
+                </a:ext>
+              </a:extLst>
+            </p:cNvPr>
+            <p:cNvCxnSpPr>
+              <a:cxnSpLocks/>
+            </p:cNvCxnSpPr>
+            <p:nvPr/>
+          </p:nvCxnSpPr>
+          <p:spPr>
+            <a:xfrm>
+              <a:off x="5523475" y="2533134"/>
+              <a:ext cx="0" cy="362039"/>
+            </a:xfrm>
+            <a:prstGeom prst="straightConnector1">
+              <a:avLst/>
+            </a:prstGeom>
+            <a:ln>
+              <a:solidFill>
+                <a:schemeClr val="tx1"/>
+              </a:solidFill>
+              <a:tailEnd type="triangle"/>
+            </a:ln>
+          </p:spPr>
+          <p:style>
+            <a:lnRef idx="1">
+              <a:schemeClr val="accent1"/>
+            </a:lnRef>
+            <a:fillRef idx="0">
+              <a:schemeClr val="accent1"/>
+            </a:fillRef>
+            <a:effectRef idx="0">
+              <a:schemeClr val="accent1"/>
+            </a:effectRef>
+            <a:fontRef idx="minor">
               <a:schemeClr val="tx1"/>
-            </a:solidFill>
-            <a:tailEnd type="triangle"/>
-          </a:ln>
-        </p:spPr>
-        <p:style>
-          <a:lnRef idx="1">
-            <a:schemeClr val="accent1"/>
-          </a:lnRef>
-          <a:fillRef idx="0">
-            <a:schemeClr val="accent1"/>
-          </a:fillRef>
-          <a:effectRef idx="0">
-            <a:schemeClr val="accent1"/>
-          </a:effectRef>
-          <a:fontRef idx="minor">
-            <a:schemeClr val="tx1"/>
-          </a:fontRef>
-        </p:style>
-      </p:cxnSp>
-      <p:cxnSp>
-        <p:nvCxnSpPr>
-          <p:cNvPr id="27" name="Straight Arrow Connector 26">
-            <a:extLst>
-              <a:ext uri="{FF2B5EF4-FFF2-40B4-BE49-F238E27FC236}">
-                <a16:creationId xmlns:a16="http://schemas.microsoft.com/office/drawing/2014/main" id="{64006B6E-C1AE-7841-BB9C-874CC54C320C}"/>
-              </a:ext>
-            </a:extLst>
-          </p:cNvPr>
-          <p:cNvCxnSpPr>
-            <a:cxnSpLocks/>
-          </p:cNvCxnSpPr>
-          <p:nvPr/>
-        </p:nvCxnSpPr>
-        <p:spPr>
-          <a:xfrm flipV="1">
-            <a:off x="5745897" y="2533135"/>
-            <a:ext cx="0" cy="362038"/>
-          </a:xfrm>
-          <a:prstGeom prst="straightConnector1">
-            <a:avLst/>
-          </a:prstGeom>
-          <a:ln>
-            <a:solidFill>
+            </a:fontRef>
+          </p:style>
+        </p:cxnSp>
+        <p:cxnSp>
+          <p:nvCxnSpPr>
+            <p:cNvPr id="27" name="Straight Arrow Connector 26">
+              <a:extLst>
+                <a:ext uri="{FF2B5EF4-FFF2-40B4-BE49-F238E27FC236}">
+                  <a16:creationId xmlns:a16="http://schemas.microsoft.com/office/drawing/2014/main" id="{64006B6E-C1AE-7841-BB9C-874CC54C320C}"/>
+                </a:ext>
+              </a:extLst>
+            </p:cNvPr>
+            <p:cNvCxnSpPr>
+              <a:cxnSpLocks/>
+            </p:cNvCxnSpPr>
+            <p:nvPr/>
+          </p:nvCxnSpPr>
+          <p:spPr>
+            <a:xfrm flipV="1">
+              <a:off x="5745897" y="2533135"/>
+              <a:ext cx="0" cy="362038"/>
+            </a:xfrm>
+            <a:prstGeom prst="straightConnector1">
+              <a:avLst/>
+            </a:prstGeom>
+            <a:ln>
+              <a:solidFill>
+                <a:schemeClr val="tx1"/>
+              </a:solidFill>
+              <a:tailEnd type="triangle"/>
+            </a:ln>
+          </p:spPr>
+          <p:style>
+            <a:lnRef idx="1">
+              <a:schemeClr val="accent1"/>
+            </a:lnRef>
+            <a:fillRef idx="0">
+              <a:schemeClr val="accent1"/>
+            </a:fillRef>
+            <a:effectRef idx="0">
+              <a:schemeClr val="accent1"/>
+            </a:effectRef>
+            <a:fontRef idx="minor">
               <a:schemeClr val="tx1"/>
-            </a:solidFill>
-            <a:tailEnd type="triangle"/>
-          </a:ln>
-        </p:spPr>
-        <p:style>
-          <a:lnRef idx="1">
-            <a:schemeClr val="accent1"/>
-          </a:lnRef>
-          <a:fillRef idx="0">
-            <a:schemeClr val="accent1"/>
-          </a:fillRef>
-          <a:effectRef idx="0">
-            <a:schemeClr val="accent1"/>
-          </a:effectRef>
-          <a:fontRef idx="minor">
-            <a:schemeClr val="tx1"/>
-          </a:fontRef>
-        </p:style>
-      </p:cxnSp>
-      <p:cxnSp>
-        <p:nvCxnSpPr>
-          <p:cNvPr id="35" name="Straight Arrow Connector 34">
-            <a:extLst>
-              <a:ext uri="{FF2B5EF4-FFF2-40B4-BE49-F238E27FC236}">
-                <a16:creationId xmlns:a16="http://schemas.microsoft.com/office/drawing/2014/main" id="{77A4D747-7A1A-7A4E-880A-3E3A60856D03}"/>
-              </a:ext>
-            </a:extLst>
-          </p:cNvPr>
-          <p:cNvCxnSpPr/>
-          <p:nvPr/>
-        </p:nvCxnSpPr>
-        <p:spPr>
-          <a:xfrm>
-            <a:off x="4658499" y="2533134"/>
-            <a:ext cx="0" cy="1383103"/>
-          </a:xfrm>
-          <a:prstGeom prst="straightConnector1">
-            <a:avLst/>
-          </a:prstGeom>
-          <a:ln>
-            <a:solidFill>
+            </a:fontRef>
+          </p:style>
+        </p:cxnSp>
+        <p:cxnSp>
+          <p:nvCxnSpPr>
+            <p:cNvPr id="35" name="Straight Arrow Connector 34">
+              <a:extLst>
+                <a:ext uri="{FF2B5EF4-FFF2-40B4-BE49-F238E27FC236}">
+                  <a16:creationId xmlns:a16="http://schemas.microsoft.com/office/drawing/2014/main" id="{77A4D747-7A1A-7A4E-880A-3E3A60856D03}"/>
+                </a:ext>
+              </a:extLst>
+            </p:cNvPr>
+            <p:cNvCxnSpPr/>
+            <p:nvPr/>
+          </p:nvCxnSpPr>
+          <p:spPr>
+            <a:xfrm>
+              <a:off x="4658499" y="2533134"/>
+              <a:ext cx="0" cy="1383103"/>
+            </a:xfrm>
+            <a:prstGeom prst="straightConnector1">
+              <a:avLst/>
+            </a:prstGeom>
+            <a:ln>
+              <a:solidFill>
+                <a:schemeClr val="tx1"/>
+              </a:solidFill>
+              <a:tailEnd type="triangle"/>
+            </a:ln>
+          </p:spPr>
+          <p:style>
+            <a:lnRef idx="1">
+              <a:schemeClr val="accent1"/>
+            </a:lnRef>
+            <a:fillRef idx="0">
+              <a:schemeClr val="accent1"/>
+            </a:fillRef>
+            <a:effectRef idx="0">
+              <a:schemeClr val="accent1"/>
+            </a:effectRef>
+            <a:fontRef idx="minor">
               <a:schemeClr val="tx1"/>
-            </a:solidFill>
-            <a:tailEnd type="triangle"/>
-          </a:ln>
-        </p:spPr>
-        <p:style>
-          <a:lnRef idx="1">
-            <a:schemeClr val="accent1"/>
-          </a:lnRef>
-          <a:fillRef idx="0">
-            <a:schemeClr val="accent1"/>
-          </a:fillRef>
-          <a:effectRef idx="0">
-            <a:schemeClr val="accent1"/>
-          </a:effectRef>
-          <a:fontRef idx="minor">
-            <a:schemeClr val="tx1"/>
-          </a:fontRef>
-        </p:style>
-      </p:cxnSp>
-      <p:cxnSp>
-        <p:nvCxnSpPr>
-          <p:cNvPr id="37" name="Straight Arrow Connector 36">
-            <a:extLst>
-              <a:ext uri="{FF2B5EF4-FFF2-40B4-BE49-F238E27FC236}">
-                <a16:creationId xmlns:a16="http://schemas.microsoft.com/office/drawing/2014/main" id="{1F58F4CB-6606-0F4B-B80A-8A6826A45BEA}"/>
-              </a:ext>
-            </a:extLst>
-          </p:cNvPr>
-          <p:cNvCxnSpPr/>
-          <p:nvPr/>
-        </p:nvCxnSpPr>
-        <p:spPr>
-          <a:xfrm flipV="1">
-            <a:off x="4905633" y="2533134"/>
-            <a:ext cx="0" cy="1383103"/>
-          </a:xfrm>
-          <a:prstGeom prst="straightConnector1">
-            <a:avLst/>
-          </a:prstGeom>
-          <a:ln>
-            <a:solidFill>
+            </a:fontRef>
+          </p:style>
+        </p:cxnSp>
+        <p:cxnSp>
+          <p:nvCxnSpPr>
+            <p:cNvPr id="37" name="Straight Arrow Connector 36">
+              <a:extLst>
+                <a:ext uri="{FF2B5EF4-FFF2-40B4-BE49-F238E27FC236}">
+                  <a16:creationId xmlns:a16="http://schemas.microsoft.com/office/drawing/2014/main" id="{1F58F4CB-6606-0F4B-B80A-8A6826A45BEA}"/>
+                </a:ext>
+              </a:extLst>
+            </p:cNvPr>
+            <p:cNvCxnSpPr/>
+            <p:nvPr/>
+          </p:nvCxnSpPr>
+          <p:spPr>
+            <a:xfrm flipV="1">
+              <a:off x="4905633" y="2533134"/>
+              <a:ext cx="0" cy="1383103"/>
+            </a:xfrm>
+            <a:prstGeom prst="straightConnector1">
+              <a:avLst/>
+            </a:prstGeom>
+            <a:ln>
+              <a:solidFill>
+                <a:schemeClr val="tx1"/>
+              </a:solidFill>
+              <a:tailEnd type="triangle"/>
+            </a:ln>
+          </p:spPr>
+          <p:style>
+            <a:lnRef idx="1">
+              <a:schemeClr val="accent1"/>
+            </a:lnRef>
+            <a:fillRef idx="0">
+              <a:schemeClr val="accent1"/>
+            </a:fillRef>
+            <a:effectRef idx="0">
+              <a:schemeClr val="accent1"/>
+            </a:effectRef>
+            <a:fontRef idx="minor">
               <a:schemeClr val="tx1"/>
-            </a:solidFill>
-            <a:tailEnd type="triangle"/>
-          </a:ln>
-        </p:spPr>
-        <p:style>
-          <a:lnRef idx="1">
-            <a:schemeClr val="accent1"/>
-          </a:lnRef>
-          <a:fillRef idx="0">
-            <a:schemeClr val="accent1"/>
-          </a:fillRef>
-          <a:effectRef idx="0">
-            <a:schemeClr val="accent1"/>
-          </a:effectRef>
-          <a:fontRef idx="minor">
-            <a:schemeClr val="tx1"/>
-          </a:fontRef>
-        </p:style>
-      </p:cxnSp>
-      <p:cxnSp>
-        <p:nvCxnSpPr>
-          <p:cNvPr id="39" name="Elbow Connector 38">
-            <a:extLst>
-              <a:ext uri="{FF2B5EF4-FFF2-40B4-BE49-F238E27FC236}">
-                <a16:creationId xmlns:a16="http://schemas.microsoft.com/office/drawing/2014/main" id="{BD35C1D3-80DC-C84C-9B90-46419BBB95FB}"/>
-              </a:ext>
-            </a:extLst>
-          </p:cNvPr>
-          <p:cNvCxnSpPr>
-            <a:endCxn id="19" idx="3"/>
-          </p:cNvCxnSpPr>
-          <p:nvPr/>
-        </p:nvCxnSpPr>
-        <p:spPr>
-          <a:xfrm rot="5400000">
-            <a:off x="6582139" y="2685428"/>
-            <a:ext cx="712360" cy="407772"/>
-          </a:xfrm>
-          <a:prstGeom prst="bentConnector2">
-            <a:avLst/>
-          </a:prstGeom>
-          <a:ln>
-            <a:solidFill>
+            </a:fontRef>
+          </p:style>
+        </p:cxnSp>
+        <p:cxnSp>
+          <p:nvCxnSpPr>
+            <p:cNvPr id="39" name="Elbow Connector 38">
+              <a:extLst>
+                <a:ext uri="{FF2B5EF4-FFF2-40B4-BE49-F238E27FC236}">
+                  <a16:creationId xmlns:a16="http://schemas.microsoft.com/office/drawing/2014/main" id="{BD35C1D3-80DC-C84C-9B90-46419BBB95FB}"/>
+                </a:ext>
+              </a:extLst>
+            </p:cNvPr>
+            <p:cNvCxnSpPr>
+              <a:endCxn id="19" idx="3"/>
+            </p:cNvCxnSpPr>
+            <p:nvPr/>
+          </p:nvCxnSpPr>
+          <p:spPr>
+            <a:xfrm rot="5400000">
+              <a:off x="6582139" y="2685428"/>
+              <a:ext cx="712360" cy="407772"/>
+            </a:xfrm>
+            <a:prstGeom prst="bentConnector2">
+              <a:avLst/>
+            </a:prstGeom>
+            <a:ln>
+              <a:solidFill>
+                <a:schemeClr val="tx1"/>
+              </a:solidFill>
+              <a:tailEnd type="triangle"/>
+            </a:ln>
+          </p:spPr>
+          <p:style>
+            <a:lnRef idx="1">
+              <a:schemeClr val="accent1"/>
+            </a:lnRef>
+            <a:fillRef idx="0">
+              <a:schemeClr val="accent1"/>
+            </a:fillRef>
+            <a:effectRef idx="0">
+              <a:schemeClr val="accent1"/>
+            </a:effectRef>
+            <a:fontRef idx="minor">
               <a:schemeClr val="tx1"/>
-            </a:solidFill>
-            <a:tailEnd type="triangle"/>
-          </a:ln>
-        </p:spPr>
-        <p:style>
-          <a:lnRef idx="1">
-            <a:schemeClr val="accent1"/>
-          </a:lnRef>
-          <a:fillRef idx="0">
-            <a:schemeClr val="accent1"/>
-          </a:fillRef>
-          <a:effectRef idx="0">
-            <a:schemeClr val="accent1"/>
-          </a:effectRef>
-          <a:fontRef idx="minor">
-            <a:schemeClr val="tx1"/>
-          </a:fontRef>
-        </p:style>
-      </p:cxnSp>
-      <p:cxnSp>
-        <p:nvCxnSpPr>
-          <p:cNvPr id="41" name="Straight Arrow Connector 40">
-            <a:extLst>
-              <a:ext uri="{FF2B5EF4-FFF2-40B4-BE49-F238E27FC236}">
-                <a16:creationId xmlns:a16="http://schemas.microsoft.com/office/drawing/2014/main" id="{8A0ED9C0-E9AB-B640-B9F8-1EE4AE51E3EC}"/>
-              </a:ext>
-            </a:extLst>
-          </p:cNvPr>
-          <p:cNvCxnSpPr/>
-          <p:nvPr/>
-        </p:nvCxnSpPr>
-        <p:spPr>
-          <a:xfrm>
-            <a:off x="5770607" y="3595814"/>
-            <a:ext cx="0" cy="320423"/>
-          </a:xfrm>
-          <a:prstGeom prst="straightConnector1">
-            <a:avLst/>
-          </a:prstGeom>
-          <a:ln>
-            <a:solidFill>
+            </a:fontRef>
+          </p:style>
+        </p:cxnSp>
+        <p:cxnSp>
+          <p:nvCxnSpPr>
+            <p:cNvPr id="41" name="Straight Arrow Connector 40">
+              <a:extLst>
+                <a:ext uri="{FF2B5EF4-FFF2-40B4-BE49-F238E27FC236}">
+                  <a16:creationId xmlns:a16="http://schemas.microsoft.com/office/drawing/2014/main" id="{8A0ED9C0-E9AB-B640-B9F8-1EE4AE51E3EC}"/>
+                </a:ext>
+              </a:extLst>
+            </p:cNvPr>
+            <p:cNvCxnSpPr/>
+            <p:nvPr/>
+          </p:nvCxnSpPr>
+          <p:spPr>
+            <a:xfrm>
+              <a:off x="5770607" y="3595814"/>
+              <a:ext cx="0" cy="320423"/>
+            </a:xfrm>
+            <a:prstGeom prst="straightConnector1">
+              <a:avLst/>
+            </a:prstGeom>
+            <a:ln>
+              <a:solidFill>
+                <a:schemeClr val="tx1"/>
+              </a:solidFill>
+              <a:tailEnd type="triangle"/>
+            </a:ln>
+          </p:spPr>
+          <p:style>
+            <a:lnRef idx="1">
+              <a:schemeClr val="accent1"/>
+            </a:lnRef>
+            <a:fillRef idx="0">
+              <a:schemeClr val="accent1"/>
+            </a:fillRef>
+            <a:effectRef idx="0">
+              <a:schemeClr val="accent1"/>
+            </a:effectRef>
+            <a:fontRef idx="minor">
               <a:schemeClr val="tx1"/>
-            </a:solidFill>
-            <a:tailEnd type="triangle"/>
-          </a:ln>
-        </p:spPr>
-        <p:style>
-          <a:lnRef idx="1">
-            <a:schemeClr val="accent1"/>
-          </a:lnRef>
-          <a:fillRef idx="0">
-            <a:schemeClr val="accent1"/>
-          </a:fillRef>
-          <a:effectRef idx="0">
-            <a:schemeClr val="accent1"/>
-          </a:effectRef>
-          <a:fontRef idx="minor">
-            <a:schemeClr val="tx1"/>
-          </a:fontRef>
-        </p:style>
-      </p:cxnSp>
-      <p:cxnSp>
-        <p:nvCxnSpPr>
-          <p:cNvPr id="43" name="Straight Arrow Connector 42">
-            <a:extLst>
-              <a:ext uri="{FF2B5EF4-FFF2-40B4-BE49-F238E27FC236}">
-                <a16:creationId xmlns:a16="http://schemas.microsoft.com/office/drawing/2014/main" id="{7141F672-E793-1B46-AA52-2F3EAAD220E6}"/>
-              </a:ext>
-            </a:extLst>
-          </p:cNvPr>
-          <p:cNvCxnSpPr>
-            <a:cxnSpLocks/>
-          </p:cNvCxnSpPr>
-          <p:nvPr/>
-        </p:nvCxnSpPr>
-        <p:spPr>
-          <a:xfrm flipV="1">
-            <a:off x="6182499" y="3595814"/>
-            <a:ext cx="0" cy="320423"/>
-          </a:xfrm>
-          <a:prstGeom prst="straightConnector1">
-            <a:avLst/>
-          </a:prstGeom>
-          <a:ln>
-            <a:solidFill>
+            </a:fontRef>
+          </p:style>
+        </p:cxnSp>
+        <p:cxnSp>
+          <p:nvCxnSpPr>
+            <p:cNvPr id="43" name="Straight Arrow Connector 42">
+              <a:extLst>
+                <a:ext uri="{FF2B5EF4-FFF2-40B4-BE49-F238E27FC236}">
+                  <a16:creationId xmlns:a16="http://schemas.microsoft.com/office/drawing/2014/main" id="{7141F672-E793-1B46-AA52-2F3EAAD220E6}"/>
+                </a:ext>
+              </a:extLst>
+            </p:cNvPr>
+            <p:cNvCxnSpPr>
+              <a:cxnSpLocks/>
+            </p:cNvCxnSpPr>
+            <p:nvPr/>
+          </p:nvCxnSpPr>
+          <p:spPr>
+            <a:xfrm flipV="1">
+              <a:off x="6182499" y="3595814"/>
+              <a:ext cx="0" cy="320423"/>
+            </a:xfrm>
+            <a:prstGeom prst="straightConnector1">
+              <a:avLst/>
+            </a:prstGeom>
+            <a:ln>
+              <a:solidFill>
+                <a:schemeClr val="tx1"/>
+              </a:solidFill>
+              <a:tailEnd type="triangle"/>
+            </a:ln>
+          </p:spPr>
+          <p:style>
+            <a:lnRef idx="1">
+              <a:schemeClr val="accent1"/>
+            </a:lnRef>
+            <a:fillRef idx="0">
+              <a:schemeClr val="accent1"/>
+            </a:fillRef>
+            <a:effectRef idx="0">
+              <a:schemeClr val="accent1"/>
+            </a:effectRef>
+            <a:fontRef idx="minor">
               <a:schemeClr val="tx1"/>
-            </a:solidFill>
-            <a:tailEnd type="triangle"/>
-          </a:ln>
-        </p:spPr>
-        <p:style>
-          <a:lnRef idx="1">
-            <a:schemeClr val="accent1"/>
-          </a:lnRef>
-          <a:fillRef idx="0">
-            <a:schemeClr val="accent1"/>
-          </a:fillRef>
-          <a:effectRef idx="0">
-            <a:schemeClr val="accent1"/>
-          </a:effectRef>
-          <a:fontRef idx="minor">
-            <a:schemeClr val="tx1"/>
-          </a:fontRef>
-        </p:style>
-      </p:cxnSp>
+            </a:fontRef>
+          </p:style>
+        </p:cxnSp>
+      </p:grpSp>
     </p:spTree>
     <p:extLst>
       <p:ext uri="{BB962C8B-B14F-4D97-AF65-F5344CB8AC3E}">

--- a/img/img-by-PPT.pptx
+++ b/img/img-by-PPT.pptx
@@ -7,6 +7,7 @@
   <p:sldIdLst>
     <p:sldId id="256" r:id="rId2"/>
     <p:sldId id="257" r:id="rId3"/>
+    <p:sldId id="258" r:id="rId4"/>
   </p:sldIdLst>
   <p:sldSz cx="12192000" cy="6858000"/>
   <p:notesSz cx="6858000" cy="9144000"/>
@@ -105,6 +106,11 @@
       </a:defRPr>
     </a:lvl9pPr>
   </p:defaultTextStyle>
+  <p:extLst>
+    <p:ext uri="{EFAFB233-063F-42B5-8137-9DF3F51BA10A}">
+      <p15:sldGuideLst xmlns:p15="http://schemas.microsoft.com/office/powerpoint/2012/main"/>
+    </p:ext>
+  </p:extLst>
 </p:presentation>
 </file>
 
@@ -255,7 +261,7 @@
           <a:p>
             <a:fld id="{937718A9-5DFF-AB43-8802-E7B73BC81E53}" type="datetimeFigureOut">
               <a:rPr lang="en-US" smtClean="0"/>
-              <a:t>5/22/19</a:t>
+              <a:t>5/25/19</a:t>
             </a:fld>
             <a:endParaRPr lang="en-US"/>
           </a:p>
@@ -453,7 +459,7 @@
           <a:p>
             <a:fld id="{937718A9-5DFF-AB43-8802-E7B73BC81E53}" type="datetimeFigureOut">
               <a:rPr lang="en-US" smtClean="0"/>
-              <a:t>5/22/19</a:t>
+              <a:t>5/25/19</a:t>
             </a:fld>
             <a:endParaRPr lang="en-US"/>
           </a:p>
@@ -661,7 +667,7 @@
           <a:p>
             <a:fld id="{937718A9-5DFF-AB43-8802-E7B73BC81E53}" type="datetimeFigureOut">
               <a:rPr lang="en-US" smtClean="0"/>
-              <a:t>5/22/19</a:t>
+              <a:t>5/25/19</a:t>
             </a:fld>
             <a:endParaRPr lang="en-US"/>
           </a:p>
@@ -859,7 +865,7 @@
           <a:p>
             <a:fld id="{937718A9-5DFF-AB43-8802-E7B73BC81E53}" type="datetimeFigureOut">
               <a:rPr lang="en-US" smtClean="0"/>
-              <a:t>5/22/19</a:t>
+              <a:t>5/25/19</a:t>
             </a:fld>
             <a:endParaRPr lang="en-US"/>
           </a:p>
@@ -1134,7 +1140,7 @@
           <a:p>
             <a:fld id="{937718A9-5DFF-AB43-8802-E7B73BC81E53}" type="datetimeFigureOut">
               <a:rPr lang="en-US" smtClean="0"/>
-              <a:t>5/22/19</a:t>
+              <a:t>5/25/19</a:t>
             </a:fld>
             <a:endParaRPr lang="en-US"/>
           </a:p>
@@ -1399,7 +1405,7 @@
           <a:p>
             <a:fld id="{937718A9-5DFF-AB43-8802-E7B73BC81E53}" type="datetimeFigureOut">
               <a:rPr lang="en-US" smtClean="0"/>
-              <a:t>5/22/19</a:t>
+              <a:t>5/25/19</a:t>
             </a:fld>
             <a:endParaRPr lang="en-US"/>
           </a:p>
@@ -1811,7 +1817,7 @@
           <a:p>
             <a:fld id="{937718A9-5DFF-AB43-8802-E7B73BC81E53}" type="datetimeFigureOut">
               <a:rPr lang="en-US" smtClean="0"/>
-              <a:t>5/22/19</a:t>
+              <a:t>5/25/19</a:t>
             </a:fld>
             <a:endParaRPr lang="en-US"/>
           </a:p>
@@ -1952,7 +1958,7 @@
           <a:p>
             <a:fld id="{937718A9-5DFF-AB43-8802-E7B73BC81E53}" type="datetimeFigureOut">
               <a:rPr lang="en-US" smtClean="0"/>
-              <a:t>5/22/19</a:t>
+              <a:t>5/25/19</a:t>
             </a:fld>
             <a:endParaRPr lang="en-US"/>
           </a:p>
@@ -2065,7 +2071,7 @@
           <a:p>
             <a:fld id="{937718A9-5DFF-AB43-8802-E7B73BC81E53}" type="datetimeFigureOut">
               <a:rPr lang="en-US" smtClean="0"/>
-              <a:t>5/22/19</a:t>
+              <a:t>5/25/19</a:t>
             </a:fld>
             <a:endParaRPr lang="en-US"/>
           </a:p>
@@ -2376,7 +2382,7 @@
           <a:p>
             <a:fld id="{937718A9-5DFF-AB43-8802-E7B73BC81E53}" type="datetimeFigureOut">
               <a:rPr lang="en-US" smtClean="0"/>
-              <a:t>5/22/19</a:t>
+              <a:t>5/25/19</a:t>
             </a:fld>
             <a:endParaRPr lang="en-US"/>
           </a:p>
@@ -2664,7 +2670,7 @@
           <a:p>
             <a:fld id="{937718A9-5DFF-AB43-8802-E7B73BC81E53}" type="datetimeFigureOut">
               <a:rPr lang="en-US" smtClean="0"/>
-              <a:t>5/22/19</a:t>
+              <a:t>5/25/19</a:t>
             </a:fld>
             <a:endParaRPr lang="en-US"/>
           </a:p>
@@ -2905,7 +2911,7 @@
           <a:p>
             <a:fld id="{937718A9-5DFF-AB43-8802-E7B73BC81E53}" type="datetimeFigureOut">
               <a:rPr lang="en-US" smtClean="0"/>
-              <a:t>5/22/19</a:t>
+              <a:t>5/25/19</a:t>
             </a:fld>
             <a:endParaRPr lang="en-US"/>
           </a:p>
@@ -4047,6 +4053,1366 @@
       </p:grpSpPr>
       <p:sp>
         <p:nvSpPr>
+          <p:cNvPr id="9" name="Rectangle 8">
+            <a:extLst>
+              <a:ext uri="{FF2B5EF4-FFF2-40B4-BE49-F238E27FC236}">
+                <a16:creationId xmlns:a16="http://schemas.microsoft.com/office/drawing/2014/main" id="{2E6DE2D2-45D7-824C-A875-EFFAEAA2315E}"/>
+              </a:ext>
+            </a:extLst>
+          </p:cNvPr>
+          <p:cNvSpPr/>
+          <p:nvPr/>
+        </p:nvSpPr>
+        <p:spPr>
+          <a:xfrm>
+            <a:off x="3190740" y="5410414"/>
+            <a:ext cx="2406019" cy="1108414"/>
+          </a:xfrm>
+          <a:prstGeom prst="rect">
+            <a:avLst/>
+          </a:prstGeom>
+          <a:noFill/>
+          <a:ln>
+            <a:solidFill>
+              <a:schemeClr val="tx1"/>
+            </a:solidFill>
+          </a:ln>
+        </p:spPr>
+        <p:style>
+          <a:lnRef idx="2">
+            <a:schemeClr val="accent1">
+              <a:shade val="50000"/>
+            </a:schemeClr>
+          </a:lnRef>
+          <a:fillRef idx="1">
+            <a:schemeClr val="accent1"/>
+          </a:fillRef>
+          <a:effectRef idx="0">
+            <a:schemeClr val="accent1"/>
+          </a:effectRef>
+          <a:fontRef idx="minor">
+            <a:schemeClr val="lt1"/>
+          </a:fontRef>
+        </p:style>
+        <p:txBody>
+          <a:bodyPr rtlCol="0" anchor="ctr"/>
+          <a:lstStyle/>
+          <a:p>
+            <a:pPr algn="ctr"/>
+            <a:r>
+              <a:rPr lang="en-US" dirty="0">
+                <a:solidFill>
+                  <a:schemeClr val="tx1"/>
+                </a:solidFill>
+              </a:rPr>
+              <a:t>Spark</a:t>
+            </a:r>
+          </a:p>
+        </p:txBody>
+      </p:sp>
+      <p:sp>
+        <p:nvSpPr>
+          <p:cNvPr id="10" name="Rectangle 9">
+            <a:extLst>
+              <a:ext uri="{FF2B5EF4-FFF2-40B4-BE49-F238E27FC236}">
+                <a16:creationId xmlns:a16="http://schemas.microsoft.com/office/drawing/2014/main" id="{019D7EB5-6566-E944-9BB1-98C280A3980A}"/>
+              </a:ext>
+            </a:extLst>
+          </p:cNvPr>
+          <p:cNvSpPr/>
+          <p:nvPr/>
+        </p:nvSpPr>
+        <p:spPr>
+          <a:xfrm>
+            <a:off x="5969730" y="5410414"/>
+            <a:ext cx="2406019" cy="1108414"/>
+          </a:xfrm>
+          <a:prstGeom prst="rect">
+            <a:avLst/>
+          </a:prstGeom>
+          <a:noFill/>
+          <a:ln>
+            <a:solidFill>
+              <a:schemeClr val="tx1"/>
+            </a:solidFill>
+          </a:ln>
+        </p:spPr>
+        <p:style>
+          <a:lnRef idx="2">
+            <a:schemeClr val="accent1">
+              <a:shade val="50000"/>
+            </a:schemeClr>
+          </a:lnRef>
+          <a:fillRef idx="1">
+            <a:schemeClr val="accent1"/>
+          </a:fillRef>
+          <a:effectRef idx="0">
+            <a:schemeClr val="accent1"/>
+          </a:effectRef>
+          <a:fontRef idx="minor">
+            <a:schemeClr val="lt1"/>
+          </a:fontRef>
+        </p:style>
+        <p:txBody>
+          <a:bodyPr rtlCol="0" anchor="ctr"/>
+          <a:lstStyle/>
+          <a:p>
+            <a:pPr algn="ctr"/>
+            <a:r>
+              <a:rPr lang="en-US" dirty="0">
+                <a:solidFill>
+                  <a:schemeClr val="tx1"/>
+                </a:solidFill>
+              </a:rPr>
+              <a:t>Spark</a:t>
+            </a:r>
+          </a:p>
+        </p:txBody>
+      </p:sp>
+      <p:sp>
+        <p:nvSpPr>
+          <p:cNvPr id="11" name="Rectangle 10">
+            <a:extLst>
+              <a:ext uri="{FF2B5EF4-FFF2-40B4-BE49-F238E27FC236}">
+                <a16:creationId xmlns:a16="http://schemas.microsoft.com/office/drawing/2014/main" id="{3733DC09-6587-674B-A17D-47E4C72BB72A}"/>
+              </a:ext>
+            </a:extLst>
+          </p:cNvPr>
+          <p:cNvSpPr/>
+          <p:nvPr/>
+        </p:nvSpPr>
+        <p:spPr>
+          <a:xfrm>
+            <a:off x="8748720" y="5410414"/>
+            <a:ext cx="2406019" cy="1108414"/>
+          </a:xfrm>
+          <a:prstGeom prst="rect">
+            <a:avLst/>
+          </a:prstGeom>
+          <a:noFill/>
+          <a:ln>
+            <a:solidFill>
+              <a:schemeClr val="tx1"/>
+            </a:solidFill>
+          </a:ln>
+        </p:spPr>
+        <p:style>
+          <a:lnRef idx="2">
+            <a:schemeClr val="accent1">
+              <a:shade val="50000"/>
+            </a:schemeClr>
+          </a:lnRef>
+          <a:fillRef idx="1">
+            <a:schemeClr val="accent1"/>
+          </a:fillRef>
+          <a:effectRef idx="0">
+            <a:schemeClr val="accent1"/>
+          </a:effectRef>
+          <a:fontRef idx="minor">
+            <a:schemeClr val="lt1"/>
+          </a:fontRef>
+        </p:style>
+        <p:txBody>
+          <a:bodyPr rtlCol="0" anchor="ctr"/>
+          <a:lstStyle/>
+          <a:p>
+            <a:pPr algn="ctr"/>
+            <a:r>
+              <a:rPr lang="en-US" dirty="0">
+                <a:solidFill>
+                  <a:schemeClr val="tx1"/>
+                </a:solidFill>
+              </a:rPr>
+              <a:t>Spark</a:t>
+            </a:r>
+          </a:p>
+        </p:txBody>
+      </p:sp>
+      <p:grpSp>
+        <p:nvGrpSpPr>
+          <p:cNvPr id="42" name="Group 41">
+            <a:extLst>
+              <a:ext uri="{FF2B5EF4-FFF2-40B4-BE49-F238E27FC236}">
+                <a16:creationId xmlns:a16="http://schemas.microsoft.com/office/drawing/2014/main" id="{EF0C9A09-E2A3-9444-876F-E86D2B0E3DFD}"/>
+              </a:ext>
+            </a:extLst>
+          </p:cNvPr>
+          <p:cNvGrpSpPr/>
+          <p:nvPr/>
+        </p:nvGrpSpPr>
+        <p:grpSpPr>
+          <a:xfrm>
+            <a:off x="1619295" y="554499"/>
+            <a:ext cx="7129425" cy="3409323"/>
+            <a:chOff x="1246324" y="354802"/>
+            <a:chExt cx="7129425" cy="3409323"/>
+          </a:xfrm>
+        </p:grpSpPr>
+        <p:sp>
+          <p:nvSpPr>
+            <p:cNvPr id="23" name="Rectangle 22">
+              <a:extLst>
+                <a:ext uri="{FF2B5EF4-FFF2-40B4-BE49-F238E27FC236}">
+                  <a16:creationId xmlns:a16="http://schemas.microsoft.com/office/drawing/2014/main" id="{8530F87C-A61C-B744-BCDC-996452C5B89F}"/>
+                </a:ext>
+              </a:extLst>
+            </p:cNvPr>
+            <p:cNvSpPr/>
+            <p:nvPr/>
+          </p:nvSpPr>
+          <p:spPr>
+            <a:xfrm>
+              <a:off x="1246324" y="1062542"/>
+              <a:ext cx="2406019" cy="947775"/>
+            </a:xfrm>
+            <a:prstGeom prst="rect">
+              <a:avLst/>
+            </a:prstGeom>
+            <a:solidFill>
+              <a:schemeClr val="bg2"/>
+            </a:solidFill>
+            <a:ln>
+              <a:solidFill>
+                <a:schemeClr val="tx1"/>
+              </a:solidFill>
+            </a:ln>
+          </p:spPr>
+          <p:style>
+            <a:lnRef idx="2">
+              <a:schemeClr val="accent1">
+                <a:shade val="50000"/>
+              </a:schemeClr>
+            </a:lnRef>
+            <a:fillRef idx="1">
+              <a:schemeClr val="accent1"/>
+            </a:fillRef>
+            <a:effectRef idx="0">
+              <a:schemeClr val="accent1"/>
+            </a:effectRef>
+            <a:fontRef idx="minor">
+              <a:schemeClr val="lt1"/>
+            </a:fontRef>
+          </p:style>
+          <p:txBody>
+            <a:bodyPr rtlCol="0" anchor="ctr"/>
+            <a:lstStyle/>
+            <a:p>
+              <a:pPr algn="ctr"/>
+              <a:r>
+                <a:rPr lang="en-US" dirty="0">
+                  <a:solidFill>
+                    <a:schemeClr val="tx1"/>
+                  </a:solidFill>
+                </a:rPr>
+                <a:t>CW-Client</a:t>
+              </a:r>
+            </a:p>
+            <a:p>
+              <a:pPr algn="ctr"/>
+              <a:endParaRPr lang="en-US" dirty="0">
+                <a:solidFill>
+                  <a:schemeClr val="tx1"/>
+                </a:solidFill>
+              </a:endParaRPr>
+            </a:p>
+          </p:txBody>
+        </p:sp>
+        <p:sp>
+          <p:nvSpPr>
+            <p:cNvPr id="19" name="Rectangle 18">
+              <a:extLst>
+                <a:ext uri="{FF2B5EF4-FFF2-40B4-BE49-F238E27FC236}">
+                  <a16:creationId xmlns:a16="http://schemas.microsoft.com/office/drawing/2014/main" id="{6D6DC8A0-32DB-FC40-9600-570B4602E5CC}"/>
+                </a:ext>
+              </a:extLst>
+            </p:cNvPr>
+            <p:cNvSpPr/>
+            <p:nvPr/>
+          </p:nvSpPr>
+          <p:spPr>
+            <a:xfrm>
+              <a:off x="4919623" y="865189"/>
+              <a:ext cx="3010642" cy="1494812"/>
+            </a:xfrm>
+            <a:prstGeom prst="rect">
+              <a:avLst/>
+            </a:prstGeom>
+            <a:solidFill>
+              <a:schemeClr val="bg2">
+                <a:lumMod val="90000"/>
+              </a:schemeClr>
+            </a:solidFill>
+            <a:ln>
+              <a:solidFill>
+                <a:schemeClr val="tx1"/>
+              </a:solidFill>
+            </a:ln>
+          </p:spPr>
+          <p:style>
+            <a:lnRef idx="2">
+              <a:schemeClr val="accent1">
+                <a:shade val="50000"/>
+              </a:schemeClr>
+            </a:lnRef>
+            <a:fillRef idx="1">
+              <a:schemeClr val="accent1"/>
+            </a:fillRef>
+            <a:effectRef idx="0">
+              <a:schemeClr val="accent1"/>
+            </a:effectRef>
+            <a:fontRef idx="minor">
+              <a:schemeClr val="lt1"/>
+            </a:fontRef>
+          </p:style>
+          <p:txBody>
+            <a:bodyPr rtlCol="0" anchor="ctr"/>
+            <a:lstStyle/>
+            <a:p>
+              <a:pPr algn="ctr"/>
+              <a:r>
+                <a:rPr lang="en-US" dirty="0">
+                  <a:solidFill>
+                    <a:schemeClr val="tx1"/>
+                  </a:solidFill>
+                </a:rPr>
+                <a:t>CW-Master</a:t>
+              </a:r>
+            </a:p>
+            <a:p>
+              <a:pPr algn="ctr"/>
+              <a:endParaRPr lang="en-US" dirty="0">
+                <a:solidFill>
+                  <a:schemeClr val="tx1"/>
+                </a:solidFill>
+              </a:endParaRPr>
+            </a:p>
+            <a:p>
+              <a:pPr algn="ctr"/>
+              <a:endParaRPr lang="en-US" dirty="0">
+                <a:solidFill>
+                  <a:schemeClr val="tx1"/>
+                </a:solidFill>
+              </a:endParaRPr>
+            </a:p>
+          </p:txBody>
+        </p:sp>
+        <p:sp>
+          <p:nvSpPr>
+            <p:cNvPr id="18" name="Rectangle 17">
+              <a:extLst>
+                <a:ext uri="{FF2B5EF4-FFF2-40B4-BE49-F238E27FC236}">
+                  <a16:creationId xmlns:a16="http://schemas.microsoft.com/office/drawing/2014/main" id="{CDD3C670-AC73-9440-BEA3-04376BF22167}"/>
+                </a:ext>
+              </a:extLst>
+            </p:cNvPr>
+            <p:cNvSpPr/>
+            <p:nvPr/>
+          </p:nvSpPr>
+          <p:spPr>
+            <a:xfrm>
+              <a:off x="1246325" y="354802"/>
+              <a:ext cx="2406019" cy="714846"/>
+            </a:xfrm>
+            <a:prstGeom prst="rect">
+              <a:avLst/>
+            </a:prstGeom>
+            <a:noFill/>
+            <a:ln>
+              <a:solidFill>
+                <a:schemeClr val="tx1"/>
+              </a:solidFill>
+            </a:ln>
+          </p:spPr>
+          <p:style>
+            <a:lnRef idx="2">
+              <a:schemeClr val="accent1">
+                <a:shade val="50000"/>
+              </a:schemeClr>
+            </a:lnRef>
+            <a:fillRef idx="1">
+              <a:schemeClr val="accent1"/>
+            </a:fillRef>
+            <a:effectRef idx="0">
+              <a:schemeClr val="accent1"/>
+            </a:effectRef>
+            <a:fontRef idx="minor">
+              <a:schemeClr val="lt1"/>
+            </a:fontRef>
+          </p:style>
+          <p:txBody>
+            <a:bodyPr rtlCol="0" anchor="ctr"/>
+            <a:lstStyle/>
+            <a:p>
+              <a:pPr algn="ctr"/>
+              <a:r>
+                <a:rPr lang="en-US" dirty="0">
+                  <a:solidFill>
+                    <a:schemeClr val="tx1"/>
+                  </a:solidFill>
+                </a:rPr>
+                <a:t>Application</a:t>
+              </a:r>
+            </a:p>
+          </p:txBody>
+        </p:sp>
+        <p:sp>
+          <p:nvSpPr>
+            <p:cNvPr id="20" name="Rectangle 19">
+              <a:extLst>
+                <a:ext uri="{FF2B5EF4-FFF2-40B4-BE49-F238E27FC236}">
+                  <a16:creationId xmlns:a16="http://schemas.microsoft.com/office/drawing/2014/main" id="{95DF8C01-63B2-C143-BA98-A39FF0915511}"/>
+                </a:ext>
+              </a:extLst>
+            </p:cNvPr>
+            <p:cNvSpPr/>
+            <p:nvPr/>
+          </p:nvSpPr>
+          <p:spPr>
+            <a:xfrm>
+              <a:off x="2554014" y="1669016"/>
+              <a:ext cx="1098329" cy="341301"/>
+            </a:xfrm>
+            <a:prstGeom prst="rect">
+              <a:avLst/>
+            </a:prstGeom>
+            <a:solidFill>
+              <a:schemeClr val="bg1"/>
+            </a:solidFill>
+            <a:ln>
+              <a:solidFill>
+                <a:schemeClr val="tx1"/>
+              </a:solidFill>
+            </a:ln>
+          </p:spPr>
+          <p:style>
+            <a:lnRef idx="2">
+              <a:schemeClr val="accent1">
+                <a:shade val="50000"/>
+              </a:schemeClr>
+            </a:lnRef>
+            <a:fillRef idx="1">
+              <a:schemeClr val="accent1"/>
+            </a:fillRef>
+            <a:effectRef idx="0">
+              <a:schemeClr val="accent1"/>
+            </a:effectRef>
+            <a:fontRef idx="minor">
+              <a:schemeClr val="lt1"/>
+            </a:fontRef>
+          </p:style>
+          <p:txBody>
+            <a:bodyPr rtlCol="0" anchor="ctr"/>
+            <a:lstStyle/>
+            <a:p>
+              <a:pPr algn="ctr"/>
+              <a:r>
+                <a:rPr lang="en-US" dirty="0">
+                  <a:solidFill>
+                    <a:schemeClr val="tx1"/>
+                  </a:solidFill>
+                </a:rPr>
+                <a:t>Reporter</a:t>
+              </a:r>
+            </a:p>
+          </p:txBody>
+        </p:sp>
+        <p:sp>
+          <p:nvSpPr>
+            <p:cNvPr id="21" name="Rectangle 20">
+              <a:extLst>
+                <a:ext uri="{FF2B5EF4-FFF2-40B4-BE49-F238E27FC236}">
+                  <a16:creationId xmlns:a16="http://schemas.microsoft.com/office/drawing/2014/main" id="{B37C3172-74D3-AB4B-9A40-774D68137386}"/>
+                </a:ext>
+              </a:extLst>
+            </p:cNvPr>
+            <p:cNvSpPr/>
+            <p:nvPr/>
+          </p:nvSpPr>
+          <p:spPr>
+            <a:xfrm>
+              <a:off x="4916276" y="1676831"/>
+              <a:ext cx="1098328" cy="341301"/>
+            </a:xfrm>
+            <a:prstGeom prst="rect">
+              <a:avLst/>
+            </a:prstGeom>
+            <a:solidFill>
+              <a:schemeClr val="bg1"/>
+            </a:solidFill>
+            <a:ln>
+              <a:solidFill>
+                <a:schemeClr val="tx1"/>
+              </a:solidFill>
+            </a:ln>
+          </p:spPr>
+          <p:style>
+            <a:lnRef idx="2">
+              <a:schemeClr val="accent1">
+                <a:shade val="50000"/>
+              </a:schemeClr>
+            </a:lnRef>
+            <a:fillRef idx="1">
+              <a:schemeClr val="accent1"/>
+            </a:fillRef>
+            <a:effectRef idx="0">
+              <a:schemeClr val="accent1"/>
+            </a:effectRef>
+            <a:fontRef idx="minor">
+              <a:schemeClr val="lt1"/>
+            </a:fontRef>
+          </p:style>
+          <p:txBody>
+            <a:bodyPr rtlCol="0" anchor="ctr"/>
+            <a:lstStyle/>
+            <a:p>
+              <a:pPr algn="ctr"/>
+              <a:r>
+                <a:rPr lang="en-US" dirty="0">
+                  <a:solidFill>
+                    <a:schemeClr val="tx1"/>
+                  </a:solidFill>
+                </a:rPr>
+                <a:t>Recorder</a:t>
+              </a:r>
+            </a:p>
+          </p:txBody>
+        </p:sp>
+        <p:sp>
+          <p:nvSpPr>
+            <p:cNvPr id="22" name="Rectangle 21">
+              <a:extLst>
+                <a:ext uri="{FF2B5EF4-FFF2-40B4-BE49-F238E27FC236}">
+                  <a16:creationId xmlns:a16="http://schemas.microsoft.com/office/drawing/2014/main" id="{E37F8E71-3354-7E40-A960-A2DC08CE4035}"/>
+                </a:ext>
+              </a:extLst>
+            </p:cNvPr>
+            <p:cNvSpPr/>
+            <p:nvPr/>
+          </p:nvSpPr>
+          <p:spPr>
+            <a:xfrm>
+              <a:off x="4509643" y="3092383"/>
+              <a:ext cx="1775398" cy="670250"/>
+            </a:xfrm>
+            <a:prstGeom prst="rect">
+              <a:avLst/>
+            </a:prstGeom>
+            <a:noFill/>
+            <a:ln>
+              <a:solidFill>
+                <a:schemeClr val="tx1"/>
+              </a:solidFill>
+            </a:ln>
+          </p:spPr>
+          <p:style>
+            <a:lnRef idx="2">
+              <a:schemeClr val="accent1">
+                <a:shade val="50000"/>
+              </a:schemeClr>
+            </a:lnRef>
+            <a:fillRef idx="1">
+              <a:schemeClr val="accent1"/>
+            </a:fillRef>
+            <a:effectRef idx="0">
+              <a:schemeClr val="accent1"/>
+            </a:effectRef>
+            <a:fontRef idx="minor">
+              <a:schemeClr val="lt1"/>
+            </a:fontRef>
+          </p:style>
+          <p:txBody>
+            <a:bodyPr rtlCol="0" anchor="ctr"/>
+            <a:lstStyle/>
+            <a:p>
+              <a:pPr algn="ctr"/>
+              <a:r>
+                <a:rPr lang="en-US" dirty="0">
+                  <a:solidFill>
+                    <a:schemeClr val="tx1"/>
+                  </a:solidFill>
+                </a:rPr>
+                <a:t>Cache Server</a:t>
+              </a:r>
+            </a:p>
+          </p:txBody>
+        </p:sp>
+        <p:sp>
+          <p:nvSpPr>
+            <p:cNvPr id="8" name="Rectangle 7">
+              <a:extLst>
+                <a:ext uri="{FF2B5EF4-FFF2-40B4-BE49-F238E27FC236}">
+                  <a16:creationId xmlns:a16="http://schemas.microsoft.com/office/drawing/2014/main" id="{681E27F9-3E8A-1B43-AF57-409D0FF9DCFA}"/>
+                </a:ext>
+              </a:extLst>
+            </p:cNvPr>
+            <p:cNvSpPr/>
+            <p:nvPr/>
+          </p:nvSpPr>
+          <p:spPr>
+            <a:xfrm>
+              <a:off x="4919623" y="2018699"/>
+              <a:ext cx="2144119" cy="341301"/>
+            </a:xfrm>
+            <a:prstGeom prst="rect">
+              <a:avLst/>
+            </a:prstGeom>
+            <a:solidFill>
+              <a:schemeClr val="bg1"/>
+            </a:solidFill>
+            <a:ln>
+              <a:solidFill>
+                <a:schemeClr val="tx1"/>
+              </a:solidFill>
+            </a:ln>
+          </p:spPr>
+          <p:style>
+            <a:lnRef idx="2">
+              <a:schemeClr val="accent1">
+                <a:shade val="50000"/>
+              </a:schemeClr>
+            </a:lnRef>
+            <a:fillRef idx="1">
+              <a:schemeClr val="accent1"/>
+            </a:fillRef>
+            <a:effectRef idx="0">
+              <a:schemeClr val="accent1"/>
+            </a:effectRef>
+            <a:fontRef idx="minor">
+              <a:schemeClr val="lt1"/>
+            </a:fontRef>
+          </p:style>
+          <p:txBody>
+            <a:bodyPr rtlCol="0" anchor="ctr"/>
+            <a:lstStyle/>
+            <a:p>
+              <a:pPr algn="ctr"/>
+              <a:r>
+                <a:rPr lang="en-US" dirty="0">
+                  <a:solidFill>
+                    <a:schemeClr val="tx1"/>
+                  </a:solidFill>
+                </a:rPr>
+                <a:t>Replication</a:t>
+              </a:r>
+              <a:r>
+                <a:rPr lang="zh-CN" altLang="en-US" dirty="0">
+                  <a:solidFill>
+                    <a:schemeClr val="tx1"/>
+                  </a:solidFill>
+                </a:rPr>
+                <a:t> </a:t>
+              </a:r>
+              <a:r>
+                <a:rPr lang="en-US" altLang="zh-CN" dirty="0">
+                  <a:solidFill>
+                    <a:schemeClr val="tx1"/>
+                  </a:solidFill>
+                </a:rPr>
+                <a:t>Manager</a:t>
+              </a:r>
+              <a:endParaRPr lang="en-US" dirty="0">
+                <a:solidFill>
+                  <a:schemeClr val="tx1"/>
+                </a:solidFill>
+              </a:endParaRPr>
+            </a:p>
+          </p:txBody>
+        </p:sp>
+        <p:sp>
+          <p:nvSpPr>
+            <p:cNvPr id="12" name="Rectangle 11">
+              <a:extLst>
+                <a:ext uri="{FF2B5EF4-FFF2-40B4-BE49-F238E27FC236}">
+                  <a16:creationId xmlns:a16="http://schemas.microsoft.com/office/drawing/2014/main" id="{1EB57004-6F0D-E04A-97EF-5E353FCB434E}"/>
+                </a:ext>
+              </a:extLst>
+            </p:cNvPr>
+            <p:cNvSpPr/>
+            <p:nvPr/>
+          </p:nvSpPr>
+          <p:spPr>
+            <a:xfrm>
+              <a:off x="6600351" y="3093875"/>
+              <a:ext cx="1775398" cy="670250"/>
+            </a:xfrm>
+            <a:prstGeom prst="rect">
+              <a:avLst/>
+            </a:prstGeom>
+            <a:noFill/>
+            <a:ln>
+              <a:solidFill>
+                <a:schemeClr val="tx1"/>
+              </a:solidFill>
+            </a:ln>
+          </p:spPr>
+          <p:style>
+            <a:lnRef idx="2">
+              <a:schemeClr val="accent1">
+                <a:shade val="50000"/>
+              </a:schemeClr>
+            </a:lnRef>
+            <a:fillRef idx="1">
+              <a:schemeClr val="accent1"/>
+            </a:fillRef>
+            <a:effectRef idx="0">
+              <a:schemeClr val="accent1"/>
+            </a:effectRef>
+            <a:fontRef idx="minor">
+              <a:schemeClr val="lt1"/>
+            </a:fontRef>
+          </p:style>
+          <p:txBody>
+            <a:bodyPr rtlCol="0" anchor="ctr"/>
+            <a:lstStyle/>
+            <a:p>
+              <a:pPr algn="ctr"/>
+              <a:r>
+                <a:rPr lang="en-US" dirty="0">
+                  <a:solidFill>
+                    <a:schemeClr val="tx1"/>
+                  </a:solidFill>
+                </a:rPr>
+                <a:t>Cache Server</a:t>
+              </a:r>
+            </a:p>
+          </p:txBody>
+        </p:sp>
+        <p:cxnSp>
+          <p:nvCxnSpPr>
+            <p:cNvPr id="3" name="Straight Arrow Connector 2">
+              <a:extLst>
+                <a:ext uri="{FF2B5EF4-FFF2-40B4-BE49-F238E27FC236}">
+                  <a16:creationId xmlns:a16="http://schemas.microsoft.com/office/drawing/2014/main" id="{ED532153-DD3B-B94C-B648-12ED87D5DD6E}"/>
+                </a:ext>
+              </a:extLst>
+            </p:cNvPr>
+            <p:cNvCxnSpPr>
+              <a:cxnSpLocks/>
+              <a:endCxn id="21" idx="1"/>
+            </p:cNvCxnSpPr>
+            <p:nvPr/>
+          </p:nvCxnSpPr>
+          <p:spPr>
+            <a:xfrm>
+              <a:off x="3644528" y="1847482"/>
+              <a:ext cx="1271748" cy="0"/>
+            </a:xfrm>
+            <a:prstGeom prst="straightConnector1">
+              <a:avLst/>
+            </a:prstGeom>
+            <a:ln>
+              <a:tailEnd type="triangle"/>
+            </a:ln>
+          </p:spPr>
+          <p:style>
+            <a:lnRef idx="1">
+              <a:schemeClr val="dk1"/>
+            </a:lnRef>
+            <a:fillRef idx="0">
+              <a:schemeClr val="dk1"/>
+            </a:fillRef>
+            <a:effectRef idx="0">
+              <a:schemeClr val="dk1"/>
+            </a:effectRef>
+            <a:fontRef idx="minor">
+              <a:schemeClr val="tx1"/>
+            </a:fontRef>
+          </p:style>
+        </p:cxnSp>
+        <p:cxnSp>
+          <p:nvCxnSpPr>
+            <p:cNvPr id="6" name="Elbow Connector 5">
+              <a:extLst>
+                <a:ext uri="{FF2B5EF4-FFF2-40B4-BE49-F238E27FC236}">
+                  <a16:creationId xmlns:a16="http://schemas.microsoft.com/office/drawing/2014/main" id="{E1C7AD1D-368B-5643-8080-F70CE306D80A}"/>
+                </a:ext>
+              </a:extLst>
+            </p:cNvPr>
+            <p:cNvCxnSpPr>
+              <a:stCxn id="23" idx="2"/>
+            </p:cNvCxnSpPr>
+            <p:nvPr/>
+          </p:nvCxnSpPr>
+          <p:spPr>
+            <a:xfrm rot="16200000" flipH="1">
+              <a:off x="2834523" y="1625127"/>
+              <a:ext cx="1289931" cy="2060309"/>
+            </a:xfrm>
+            <a:prstGeom prst="bentConnector2">
+              <a:avLst/>
+            </a:prstGeom>
+            <a:ln>
+              <a:tailEnd type="triangle"/>
+            </a:ln>
+          </p:spPr>
+          <p:style>
+            <a:lnRef idx="1">
+              <a:schemeClr val="dk1"/>
+            </a:lnRef>
+            <a:fillRef idx="0">
+              <a:schemeClr val="dk1"/>
+            </a:fillRef>
+            <a:effectRef idx="0">
+              <a:schemeClr val="dk1"/>
+            </a:effectRef>
+            <a:fontRef idx="minor">
+              <a:schemeClr val="tx1"/>
+            </a:fontRef>
+          </p:style>
+        </p:cxnSp>
+        <p:cxnSp>
+          <p:nvCxnSpPr>
+            <p:cNvPr id="15" name="Elbow Connector 14">
+              <a:extLst>
+                <a:ext uri="{FF2B5EF4-FFF2-40B4-BE49-F238E27FC236}">
+                  <a16:creationId xmlns:a16="http://schemas.microsoft.com/office/drawing/2014/main" id="{7DFD7CE1-0811-B044-AF33-F76D4823076A}"/>
+                </a:ext>
+              </a:extLst>
+            </p:cNvPr>
+            <p:cNvCxnSpPr/>
+            <p:nvPr/>
+          </p:nvCxnSpPr>
+          <p:spPr>
+            <a:xfrm rot="10800000">
+              <a:off x="1671145" y="2018700"/>
+              <a:ext cx="2838498" cy="1628391"/>
+            </a:xfrm>
+            <a:prstGeom prst="bentConnector3">
+              <a:avLst>
+                <a:gd name="adj1" fmla="val 99988"/>
+              </a:avLst>
+            </a:prstGeom>
+            <a:ln>
+              <a:tailEnd type="triangle"/>
+            </a:ln>
+          </p:spPr>
+          <p:style>
+            <a:lnRef idx="1">
+              <a:schemeClr val="dk1"/>
+            </a:lnRef>
+            <a:fillRef idx="0">
+              <a:schemeClr val="dk1"/>
+            </a:fillRef>
+            <a:effectRef idx="0">
+              <a:schemeClr val="dk1"/>
+            </a:effectRef>
+            <a:fontRef idx="minor">
+              <a:schemeClr val="tx1"/>
+            </a:fontRef>
+          </p:style>
+        </p:cxnSp>
+        <p:sp>
+          <p:nvSpPr>
+            <p:cNvPr id="17" name="TextBox 16">
+              <a:extLst>
+                <a:ext uri="{FF2B5EF4-FFF2-40B4-BE49-F238E27FC236}">
+                  <a16:creationId xmlns:a16="http://schemas.microsoft.com/office/drawing/2014/main" id="{5524BD29-CCD8-C142-9193-32FA7D526583}"/>
+                </a:ext>
+              </a:extLst>
+            </p:cNvPr>
+            <p:cNvSpPr txBox="1"/>
+            <p:nvPr/>
+          </p:nvSpPr>
+          <p:spPr>
+            <a:xfrm>
+              <a:off x="2554014" y="2930915"/>
+              <a:ext cx="677069" cy="369332"/>
+            </a:xfrm>
+            <a:prstGeom prst="rect">
+              <a:avLst/>
+            </a:prstGeom>
+            <a:noFill/>
+          </p:spPr>
+          <p:txBody>
+            <a:bodyPr wrap="square" rtlCol="0">
+              <a:spAutoFit/>
+            </a:bodyPr>
+            <a:lstStyle/>
+            <a:p>
+              <a:r>
+                <a:rPr lang="en-US" dirty="0"/>
+                <a:t>Read</a:t>
+              </a:r>
+            </a:p>
+          </p:txBody>
+        </p:sp>
+        <p:sp>
+          <p:nvSpPr>
+            <p:cNvPr id="24" name="TextBox 23">
+              <a:extLst>
+                <a:ext uri="{FF2B5EF4-FFF2-40B4-BE49-F238E27FC236}">
+                  <a16:creationId xmlns:a16="http://schemas.microsoft.com/office/drawing/2014/main" id="{F926EA76-AAC0-7442-BE6D-BCE7E2ED1729}"/>
+                </a:ext>
+              </a:extLst>
+            </p:cNvPr>
+            <p:cNvSpPr txBox="1"/>
+            <p:nvPr/>
+          </p:nvSpPr>
+          <p:spPr>
+            <a:xfrm>
+              <a:off x="1756074" y="3300247"/>
+              <a:ext cx="693259" cy="369332"/>
+            </a:xfrm>
+            <a:prstGeom prst="rect">
+              <a:avLst/>
+            </a:prstGeom>
+            <a:noFill/>
+          </p:spPr>
+          <p:txBody>
+            <a:bodyPr wrap="square" rtlCol="0">
+              <a:spAutoFit/>
+            </a:bodyPr>
+            <a:lstStyle/>
+            <a:p>
+              <a:r>
+                <a:rPr lang="en-US" dirty="0"/>
+                <a:t>Data</a:t>
+              </a:r>
+            </a:p>
+          </p:txBody>
+        </p:sp>
+        <p:cxnSp>
+          <p:nvCxnSpPr>
+            <p:cNvPr id="26" name="Straight Arrow Connector 25">
+              <a:extLst>
+                <a:ext uri="{FF2B5EF4-FFF2-40B4-BE49-F238E27FC236}">
+                  <a16:creationId xmlns:a16="http://schemas.microsoft.com/office/drawing/2014/main" id="{384164D1-4DEF-B140-A750-FB1CC4C6D8F6}"/>
+                </a:ext>
+              </a:extLst>
+            </p:cNvPr>
+            <p:cNvCxnSpPr/>
+            <p:nvPr/>
+          </p:nvCxnSpPr>
+          <p:spPr>
+            <a:xfrm flipV="1">
+              <a:off x="7367752" y="2360000"/>
+              <a:ext cx="0" cy="732383"/>
+            </a:xfrm>
+            <a:prstGeom prst="straightConnector1">
+              <a:avLst/>
+            </a:prstGeom>
+            <a:ln>
+              <a:tailEnd type="triangle"/>
+            </a:ln>
+          </p:spPr>
+          <p:style>
+            <a:lnRef idx="1">
+              <a:schemeClr val="dk1"/>
+            </a:lnRef>
+            <a:fillRef idx="0">
+              <a:schemeClr val="dk1"/>
+            </a:fillRef>
+            <a:effectRef idx="0">
+              <a:schemeClr val="dk1"/>
+            </a:effectRef>
+            <a:fontRef idx="minor">
+              <a:schemeClr val="tx1"/>
+            </a:fontRef>
+          </p:style>
+        </p:cxnSp>
+        <p:cxnSp>
+          <p:nvCxnSpPr>
+            <p:cNvPr id="28" name="Straight Arrow Connector 27">
+              <a:extLst>
+                <a:ext uri="{FF2B5EF4-FFF2-40B4-BE49-F238E27FC236}">
+                  <a16:creationId xmlns:a16="http://schemas.microsoft.com/office/drawing/2014/main" id="{7B3A8974-A53B-4941-912A-177FB0CBDB71}"/>
+                </a:ext>
+              </a:extLst>
+            </p:cNvPr>
+            <p:cNvCxnSpPr/>
+            <p:nvPr/>
+          </p:nvCxnSpPr>
+          <p:spPr>
+            <a:xfrm>
+              <a:off x="7662041" y="2360000"/>
+              <a:ext cx="0" cy="732383"/>
+            </a:xfrm>
+            <a:prstGeom prst="straightConnector1">
+              <a:avLst/>
+            </a:prstGeom>
+            <a:ln>
+              <a:tailEnd type="triangle"/>
+            </a:ln>
+          </p:spPr>
+          <p:style>
+            <a:lnRef idx="1">
+              <a:schemeClr val="dk1"/>
+            </a:lnRef>
+            <a:fillRef idx="0">
+              <a:schemeClr val="dk1"/>
+            </a:fillRef>
+            <a:effectRef idx="0">
+              <a:schemeClr val="dk1"/>
+            </a:effectRef>
+            <a:fontRef idx="minor">
+              <a:schemeClr val="tx1"/>
+            </a:fontRef>
+          </p:style>
+        </p:cxnSp>
+        <p:cxnSp>
+          <p:nvCxnSpPr>
+            <p:cNvPr id="30" name="Straight Arrow Connector 29">
+              <a:extLst>
+                <a:ext uri="{FF2B5EF4-FFF2-40B4-BE49-F238E27FC236}">
+                  <a16:creationId xmlns:a16="http://schemas.microsoft.com/office/drawing/2014/main" id="{788FD161-D889-9D4E-A5E0-66F07410B0DF}"/>
+                </a:ext>
+              </a:extLst>
+            </p:cNvPr>
+            <p:cNvCxnSpPr/>
+            <p:nvPr/>
+          </p:nvCxnSpPr>
+          <p:spPr>
+            <a:xfrm>
+              <a:off x="5538949" y="2360000"/>
+              <a:ext cx="0" cy="732383"/>
+            </a:xfrm>
+            <a:prstGeom prst="straightConnector1">
+              <a:avLst/>
+            </a:prstGeom>
+            <a:ln>
+              <a:tailEnd type="triangle"/>
+            </a:ln>
+          </p:spPr>
+          <p:style>
+            <a:lnRef idx="1">
+              <a:schemeClr val="dk1"/>
+            </a:lnRef>
+            <a:fillRef idx="0">
+              <a:schemeClr val="dk1"/>
+            </a:fillRef>
+            <a:effectRef idx="0">
+              <a:schemeClr val="dk1"/>
+            </a:effectRef>
+            <a:fontRef idx="minor">
+              <a:schemeClr val="tx1"/>
+            </a:fontRef>
+          </p:style>
+        </p:cxnSp>
+        <p:cxnSp>
+          <p:nvCxnSpPr>
+            <p:cNvPr id="32" name="Straight Arrow Connector 31">
+              <a:extLst>
+                <a:ext uri="{FF2B5EF4-FFF2-40B4-BE49-F238E27FC236}">
+                  <a16:creationId xmlns:a16="http://schemas.microsoft.com/office/drawing/2014/main" id="{05F78827-8DF1-5C48-BA99-CCE97B280EEB}"/>
+                </a:ext>
+              </a:extLst>
+            </p:cNvPr>
+            <p:cNvCxnSpPr/>
+            <p:nvPr/>
+          </p:nvCxnSpPr>
+          <p:spPr>
+            <a:xfrm flipV="1">
+              <a:off x="5239412" y="2360000"/>
+              <a:ext cx="0" cy="732383"/>
+            </a:xfrm>
+            <a:prstGeom prst="straightConnector1">
+              <a:avLst/>
+            </a:prstGeom>
+            <a:ln>
+              <a:tailEnd type="triangle"/>
+            </a:ln>
+          </p:spPr>
+          <p:style>
+            <a:lnRef idx="1">
+              <a:schemeClr val="dk1"/>
+            </a:lnRef>
+            <a:fillRef idx="0">
+              <a:schemeClr val="dk1"/>
+            </a:fillRef>
+            <a:effectRef idx="0">
+              <a:schemeClr val="dk1"/>
+            </a:effectRef>
+            <a:fontRef idx="minor">
+              <a:schemeClr val="tx1"/>
+            </a:fontRef>
+          </p:style>
+        </p:cxnSp>
+        <p:sp>
+          <p:nvSpPr>
+            <p:cNvPr id="33" name="TextBox 32">
+              <a:extLst>
+                <a:ext uri="{FF2B5EF4-FFF2-40B4-BE49-F238E27FC236}">
+                  <a16:creationId xmlns:a16="http://schemas.microsoft.com/office/drawing/2014/main" id="{18E938F5-00B2-E04D-8E7E-633BEAE6D575}"/>
+                </a:ext>
+              </a:extLst>
+            </p:cNvPr>
+            <p:cNvSpPr txBox="1"/>
+            <p:nvPr/>
+          </p:nvSpPr>
+          <p:spPr>
+            <a:xfrm>
+              <a:off x="5554098" y="2373367"/>
+              <a:ext cx="1639613" cy="369332"/>
+            </a:xfrm>
+            <a:prstGeom prst="rect">
+              <a:avLst/>
+            </a:prstGeom>
+            <a:noFill/>
+          </p:spPr>
+          <p:txBody>
+            <a:bodyPr wrap="square" rtlCol="0">
+              <a:spAutoFit/>
+            </a:bodyPr>
+            <a:lstStyle/>
+            <a:p>
+              <a:r>
+                <a:rPr lang="en-US" dirty="0"/>
+                <a:t>Instructions</a:t>
+              </a:r>
+            </a:p>
+          </p:txBody>
+        </p:sp>
+        <p:sp>
+          <p:nvSpPr>
+            <p:cNvPr id="34" name="TextBox 33">
+              <a:extLst>
+                <a:ext uri="{FF2B5EF4-FFF2-40B4-BE49-F238E27FC236}">
+                  <a16:creationId xmlns:a16="http://schemas.microsoft.com/office/drawing/2014/main" id="{7F32238B-4144-3844-83B3-D2EFBC9652EF}"/>
+                </a:ext>
+              </a:extLst>
+            </p:cNvPr>
+            <p:cNvSpPr txBox="1"/>
+            <p:nvPr/>
+          </p:nvSpPr>
+          <p:spPr>
+            <a:xfrm>
+              <a:off x="6647225" y="2738488"/>
+              <a:ext cx="942808" cy="369332"/>
+            </a:xfrm>
+            <a:prstGeom prst="rect">
+              <a:avLst/>
+            </a:prstGeom>
+            <a:noFill/>
+          </p:spPr>
+          <p:txBody>
+            <a:bodyPr wrap="square" rtlCol="0">
+              <a:spAutoFit/>
+            </a:bodyPr>
+            <a:lstStyle/>
+            <a:p>
+              <a:r>
+                <a:rPr lang="en-US" dirty="0"/>
+                <a:t>Status</a:t>
+              </a:r>
+            </a:p>
+          </p:txBody>
+        </p:sp>
+        <p:cxnSp>
+          <p:nvCxnSpPr>
+            <p:cNvPr id="36" name="Straight Arrow Connector 35">
+              <a:extLst>
+                <a:ext uri="{FF2B5EF4-FFF2-40B4-BE49-F238E27FC236}">
+                  <a16:creationId xmlns:a16="http://schemas.microsoft.com/office/drawing/2014/main" id="{C7281A70-D1AB-044A-A1CA-FA7D5589661D}"/>
+                </a:ext>
+              </a:extLst>
+            </p:cNvPr>
+            <p:cNvCxnSpPr/>
+            <p:nvPr/>
+          </p:nvCxnSpPr>
+          <p:spPr>
+            <a:xfrm>
+              <a:off x="3652343" y="1187669"/>
+              <a:ext cx="1267280" cy="0"/>
+            </a:xfrm>
+            <a:prstGeom prst="straightConnector1">
+              <a:avLst/>
+            </a:prstGeom>
+            <a:ln>
+              <a:tailEnd type="triangle"/>
+            </a:ln>
+          </p:spPr>
+          <p:style>
+            <a:lnRef idx="1">
+              <a:schemeClr val="dk1"/>
+            </a:lnRef>
+            <a:fillRef idx="0">
+              <a:schemeClr val="dk1"/>
+            </a:fillRef>
+            <a:effectRef idx="0">
+              <a:schemeClr val="dk1"/>
+            </a:effectRef>
+            <a:fontRef idx="minor">
+              <a:schemeClr val="tx1"/>
+            </a:fontRef>
+          </p:style>
+        </p:cxnSp>
+        <p:cxnSp>
+          <p:nvCxnSpPr>
+            <p:cNvPr id="38" name="Straight Arrow Connector 37">
+              <a:extLst>
+                <a:ext uri="{FF2B5EF4-FFF2-40B4-BE49-F238E27FC236}">
+                  <a16:creationId xmlns:a16="http://schemas.microsoft.com/office/drawing/2014/main" id="{171CE3F4-80F0-E842-83E7-08191E60D3FE}"/>
+                </a:ext>
+              </a:extLst>
+            </p:cNvPr>
+            <p:cNvCxnSpPr/>
+            <p:nvPr/>
+          </p:nvCxnSpPr>
+          <p:spPr>
+            <a:xfrm flipH="1">
+              <a:off x="3652343" y="1355834"/>
+              <a:ext cx="1267280" cy="0"/>
+            </a:xfrm>
+            <a:prstGeom prst="straightConnector1">
+              <a:avLst/>
+            </a:prstGeom>
+            <a:ln>
+              <a:tailEnd type="triangle"/>
+            </a:ln>
+          </p:spPr>
+          <p:style>
+            <a:lnRef idx="1">
+              <a:schemeClr val="dk1"/>
+            </a:lnRef>
+            <a:fillRef idx="0">
+              <a:schemeClr val="dk1"/>
+            </a:fillRef>
+            <a:effectRef idx="0">
+              <a:schemeClr val="dk1"/>
+            </a:effectRef>
+            <a:fontRef idx="minor">
+              <a:schemeClr val="tx1"/>
+            </a:fontRef>
+          </p:style>
+        </p:cxnSp>
+        <p:sp>
+          <p:nvSpPr>
+            <p:cNvPr id="39" name="TextBox 38">
+              <a:extLst>
+                <a:ext uri="{FF2B5EF4-FFF2-40B4-BE49-F238E27FC236}">
+                  <a16:creationId xmlns:a16="http://schemas.microsoft.com/office/drawing/2014/main" id="{2FE82CE4-C764-6D47-A2D0-DAB257D712AB}"/>
+                </a:ext>
+              </a:extLst>
+            </p:cNvPr>
+            <p:cNvSpPr txBox="1"/>
+            <p:nvPr/>
+          </p:nvSpPr>
+          <p:spPr>
+            <a:xfrm>
+              <a:off x="3797251" y="804977"/>
+              <a:ext cx="977462" cy="369332"/>
+            </a:xfrm>
+            <a:prstGeom prst="rect">
+              <a:avLst/>
+            </a:prstGeom>
+            <a:noFill/>
+          </p:spPr>
+          <p:txBody>
+            <a:bodyPr wrap="square" rtlCol="0">
+              <a:spAutoFit/>
+            </a:bodyPr>
+            <a:lstStyle/>
+            <a:p>
+              <a:r>
+                <a:rPr lang="en-US" dirty="0"/>
+                <a:t>Request</a:t>
+              </a:r>
+            </a:p>
+          </p:txBody>
+        </p:sp>
+        <p:sp>
+          <p:nvSpPr>
+            <p:cNvPr id="40" name="TextBox 39">
+              <a:extLst>
+                <a:ext uri="{FF2B5EF4-FFF2-40B4-BE49-F238E27FC236}">
+                  <a16:creationId xmlns:a16="http://schemas.microsoft.com/office/drawing/2014/main" id="{6306C69B-204A-9142-B221-50FF44AEBB33}"/>
+                </a:ext>
+              </a:extLst>
+            </p:cNvPr>
+            <p:cNvSpPr txBox="1"/>
+            <p:nvPr/>
+          </p:nvSpPr>
+          <p:spPr>
+            <a:xfrm>
+              <a:off x="3723394" y="1358317"/>
+              <a:ext cx="1122371" cy="369332"/>
+            </a:xfrm>
+            <a:prstGeom prst="rect">
+              <a:avLst/>
+            </a:prstGeom>
+            <a:noFill/>
+          </p:spPr>
+          <p:txBody>
+            <a:bodyPr wrap="square" rtlCol="0">
+              <a:spAutoFit/>
+            </a:bodyPr>
+            <a:lstStyle/>
+            <a:p>
+              <a:r>
+                <a:rPr lang="en-US" dirty="0"/>
+                <a:t>Locations</a:t>
+              </a:r>
+            </a:p>
+          </p:txBody>
+        </p:sp>
+        <p:sp>
+          <p:nvSpPr>
+            <p:cNvPr id="41" name="TextBox 40">
+              <a:extLst>
+                <a:ext uri="{FF2B5EF4-FFF2-40B4-BE49-F238E27FC236}">
+                  <a16:creationId xmlns:a16="http://schemas.microsoft.com/office/drawing/2014/main" id="{9157E42E-DDEF-4F48-845C-312E4C708F0A}"/>
+                </a:ext>
+              </a:extLst>
+            </p:cNvPr>
+            <p:cNvSpPr txBox="1"/>
+            <p:nvPr/>
+          </p:nvSpPr>
+          <p:spPr>
+            <a:xfrm>
+              <a:off x="3681170" y="1842149"/>
+              <a:ext cx="1271745" cy="369332"/>
+            </a:xfrm>
+            <a:prstGeom prst="rect">
+              <a:avLst/>
+            </a:prstGeom>
+            <a:noFill/>
+          </p:spPr>
+          <p:txBody>
+            <a:bodyPr wrap="square" rtlCol="0">
+              <a:spAutoFit/>
+            </a:bodyPr>
+            <a:lstStyle/>
+            <a:p>
+              <a:r>
+                <a:rPr lang="en-US" dirty="0"/>
+                <a:t>Access Info</a:t>
+              </a:r>
+            </a:p>
+          </p:txBody>
+        </p:sp>
+      </p:grpSp>
+    </p:spTree>
+    <p:extLst>
+      <p:ext uri="{BB962C8B-B14F-4D97-AF65-F5344CB8AC3E}">
+        <p14:creationId xmlns:p14="http://schemas.microsoft.com/office/powerpoint/2010/main" val="2410197171"/>
+      </p:ext>
+    </p:extLst>
+  </p:cSld>
+  <p:clrMapOvr>
+    <a:masterClrMapping/>
+  </p:clrMapOvr>
+</p:sld>
+</file>
+
+<file path=ppt/slides/slide3.xml><?xml version="1.0" encoding="utf-8"?>
+<p:sld xmlns:a="http://schemas.openxmlformats.org/drawingml/2006/main" xmlns:r="http://schemas.openxmlformats.org/officeDocument/2006/relationships" xmlns:p="http://schemas.openxmlformats.org/presentationml/2006/main">
+  <p:cSld>
+    <p:spTree>
+      <p:nvGrpSpPr>
+        <p:cNvPr id="1" name=""/>
+        <p:cNvGrpSpPr/>
+        <p:nvPr/>
+      </p:nvGrpSpPr>
+      <p:grpSpPr>
+        <a:xfrm>
+          <a:off x="0" y="0"/>
+          <a:ext cx="0" cy="0"/>
+          <a:chOff x="0" y="0"/>
+          <a:chExt cx="0" cy="0"/>
+        </a:xfrm>
+      </p:grpSpPr>
+      <p:sp>
+        <p:nvSpPr>
           <p:cNvPr id="18" name="Rectangle 17">
             <a:extLst>
               <a:ext uri="{FF2B5EF4-FFF2-40B4-BE49-F238E27FC236}">
@@ -4402,7 +5768,7 @@
     </p:spTree>
     <p:extLst>
       <p:ext uri="{BB962C8B-B14F-4D97-AF65-F5344CB8AC3E}">
-        <p14:creationId xmlns:p14="http://schemas.microsoft.com/office/powerpoint/2010/main" val="2410197171"/>
+        <p14:creationId xmlns:p14="http://schemas.microsoft.com/office/powerpoint/2010/main" val="1544172816"/>
       </p:ext>
     </p:extLst>
   </p:cSld>

--- a/img/img-by-PPT.pptx
+++ b/img/img-by-PPT.pptx
@@ -261,7 +261,7 @@
           <a:p>
             <a:fld id="{937718A9-5DFF-AB43-8802-E7B73BC81E53}" type="datetimeFigureOut">
               <a:rPr lang="en-US" smtClean="0"/>
-              <a:t>5/25/19</a:t>
+              <a:t>6/3/19</a:t>
             </a:fld>
             <a:endParaRPr lang="en-US"/>
           </a:p>
@@ -459,7 +459,7 @@
           <a:p>
             <a:fld id="{937718A9-5DFF-AB43-8802-E7B73BC81E53}" type="datetimeFigureOut">
               <a:rPr lang="en-US" smtClean="0"/>
-              <a:t>5/25/19</a:t>
+              <a:t>6/3/19</a:t>
             </a:fld>
             <a:endParaRPr lang="en-US"/>
           </a:p>
@@ -667,7 +667,7 @@
           <a:p>
             <a:fld id="{937718A9-5DFF-AB43-8802-E7B73BC81E53}" type="datetimeFigureOut">
               <a:rPr lang="en-US" smtClean="0"/>
-              <a:t>5/25/19</a:t>
+              <a:t>6/3/19</a:t>
             </a:fld>
             <a:endParaRPr lang="en-US"/>
           </a:p>
@@ -865,7 +865,7 @@
           <a:p>
             <a:fld id="{937718A9-5DFF-AB43-8802-E7B73BC81E53}" type="datetimeFigureOut">
               <a:rPr lang="en-US" smtClean="0"/>
-              <a:t>5/25/19</a:t>
+              <a:t>6/3/19</a:t>
             </a:fld>
             <a:endParaRPr lang="en-US"/>
           </a:p>
@@ -1140,7 +1140,7 @@
           <a:p>
             <a:fld id="{937718A9-5DFF-AB43-8802-E7B73BC81E53}" type="datetimeFigureOut">
               <a:rPr lang="en-US" smtClean="0"/>
-              <a:t>5/25/19</a:t>
+              <a:t>6/3/19</a:t>
             </a:fld>
             <a:endParaRPr lang="en-US"/>
           </a:p>
@@ -1405,7 +1405,7 @@
           <a:p>
             <a:fld id="{937718A9-5DFF-AB43-8802-E7B73BC81E53}" type="datetimeFigureOut">
               <a:rPr lang="en-US" smtClean="0"/>
-              <a:t>5/25/19</a:t>
+              <a:t>6/3/19</a:t>
             </a:fld>
             <a:endParaRPr lang="en-US"/>
           </a:p>
@@ -1817,7 +1817,7 @@
           <a:p>
             <a:fld id="{937718A9-5DFF-AB43-8802-E7B73BC81E53}" type="datetimeFigureOut">
               <a:rPr lang="en-US" smtClean="0"/>
-              <a:t>5/25/19</a:t>
+              <a:t>6/3/19</a:t>
             </a:fld>
             <a:endParaRPr lang="en-US"/>
           </a:p>
@@ -1958,7 +1958,7 @@
           <a:p>
             <a:fld id="{937718A9-5DFF-AB43-8802-E7B73BC81E53}" type="datetimeFigureOut">
               <a:rPr lang="en-US" smtClean="0"/>
-              <a:t>5/25/19</a:t>
+              <a:t>6/3/19</a:t>
             </a:fld>
             <a:endParaRPr lang="en-US"/>
           </a:p>
@@ -2071,7 +2071,7 @@
           <a:p>
             <a:fld id="{937718A9-5DFF-AB43-8802-E7B73BC81E53}" type="datetimeFigureOut">
               <a:rPr lang="en-US" smtClean="0"/>
-              <a:t>5/25/19</a:t>
+              <a:t>6/3/19</a:t>
             </a:fld>
             <a:endParaRPr lang="en-US"/>
           </a:p>
@@ -2382,7 +2382,7 @@
           <a:p>
             <a:fld id="{937718A9-5DFF-AB43-8802-E7B73BC81E53}" type="datetimeFigureOut">
               <a:rPr lang="en-US" smtClean="0"/>
-              <a:t>5/25/19</a:t>
+              <a:t>6/3/19</a:t>
             </a:fld>
             <a:endParaRPr lang="en-US"/>
           </a:p>
@@ -2670,7 +2670,7 @@
           <a:p>
             <a:fld id="{937718A9-5DFF-AB43-8802-E7B73BC81E53}" type="datetimeFigureOut">
               <a:rPr lang="en-US" smtClean="0"/>
-              <a:t>5/25/19</a:t>
+              <a:t>6/3/19</a:t>
             </a:fld>
             <a:endParaRPr lang="en-US"/>
           </a:p>
@@ -2911,7 +2911,7 @@
           <a:p>
             <a:fld id="{937718A9-5DFF-AB43-8802-E7B73BC81E53}" type="datetimeFigureOut">
               <a:rPr lang="en-US" smtClean="0"/>
-              <a:t>5/25/19</a:t>
+              <a:t>6/3/19</a:t>
             </a:fld>
             <a:endParaRPr lang="en-US"/>
           </a:p>
@@ -4530,7 +4530,7 @@
           </p:nvSpPr>
           <p:spPr>
             <a:xfrm>
-              <a:off x="4916276" y="1676831"/>
+              <a:off x="4926786" y="1676831"/>
               <a:ext cx="1098328" cy="341301"/>
             </a:xfrm>
             <a:prstGeom prst="rect">
@@ -4794,7 +4794,7 @@
           </p:nvCxnSpPr>
           <p:spPr>
             <a:xfrm>
-              <a:off x="3644528" y="1847482"/>
+              <a:off x="3655038" y="1847482"/>
               <a:ext cx="1271748" cy="0"/>
             </a:xfrm>
             <a:prstGeom prst="straightConnector1">
